--- a/4.Kaggle/3.class/5逻辑回归初探.pptx
+++ b/4.Kaggle/3.class/5逻辑回归初探.pptx
@@ -5,10 +5,10 @@
     <p:sldMasterId id="2147483648" r:id="rId1"/>
   </p:sldMasterIdLst>
   <p:notesMasterIdLst>
-    <p:notesMasterId r:id="rId10"/>
+    <p:notesMasterId r:id="rId12"/>
   </p:notesMasterIdLst>
   <p:handoutMasterIdLst>
-    <p:handoutMasterId r:id="rId11"/>
+    <p:handoutMasterId r:id="rId13"/>
   </p:handoutMasterIdLst>
   <p:sldIdLst>
     <p:sldId id="603" r:id="rId2"/>
@@ -19,6 +19,8 @@
     <p:sldId id="788" r:id="rId7"/>
     <p:sldId id="789" r:id="rId8"/>
     <p:sldId id="790" r:id="rId9"/>
+    <p:sldId id="772" r:id="rId10"/>
+    <p:sldId id="782" r:id="rId11"/>
   </p:sldIdLst>
   <p:sldSz cx="12188825" cy="6858000"/>
   <p:notesSz cx="6797675" cy="9874250"/>
@@ -157,6 +159,1951 @@
 </p1510:revInfo>
 </file>
 
+<file path=ppt/changesInfos/changesInfo1.xml><?xml version="1.0" encoding="utf-8"?>
+<pc:chgInfo xmlns:a="http://schemas.openxmlformats.org/drawingml/2006/main" xmlns:r="http://schemas.openxmlformats.org/officeDocument/2006/relationships" xmlns:ac="http://schemas.microsoft.com/office/drawing/2013/main/command" xmlns:pc="http://schemas.microsoft.com/office/powerpoint/2013/main/command">
+  <pc:docChgLst>
+    <pc:chgData name="臧 雷" userId="0d29c245861bfd9a" providerId="LiveId" clId="{7A4F95BA-2E7E-4C33-9514-95E88FDB2899}"/>
+    <pc:docChg chg="undo redo custSel addSld delSld modSld sldOrd">
+      <pc:chgData name="臧 雷" userId="0d29c245861bfd9a" providerId="LiveId" clId="{7A4F95BA-2E7E-4C33-9514-95E88FDB2899}" dt="2019-07-19T14:19:31.146" v="15153" actId="20577"/>
+      <pc:docMkLst>
+        <pc:docMk/>
+      </pc:docMkLst>
+      <pc:sldChg chg="modSp">
+        <pc:chgData name="臧 雷" userId="0d29c245861bfd9a" providerId="LiveId" clId="{7A4F95BA-2E7E-4C33-9514-95E88FDB2899}" dt="2019-07-05T10:03:43.599" v="66" actId="20577"/>
+        <pc:sldMkLst>
+          <pc:docMk/>
+          <pc:sldMk cId="4278945092" sldId="603"/>
+        </pc:sldMkLst>
+        <pc:spChg chg="mod">
+          <ac:chgData name="臧 雷" userId="0d29c245861bfd9a" providerId="LiveId" clId="{7A4F95BA-2E7E-4C33-9514-95E88FDB2899}" dt="2019-07-05T10:03:33.371" v="57"/>
+          <ac:spMkLst>
+            <pc:docMk/>
+            <pc:sldMk cId="4278945092" sldId="603"/>
+            <ac:spMk id="2" creationId="{00000000-0000-0000-0000-000000000000}"/>
+          </ac:spMkLst>
+        </pc:spChg>
+        <pc:spChg chg="mod">
+          <ac:chgData name="臧 雷" userId="0d29c245861bfd9a" providerId="LiveId" clId="{7A4F95BA-2E7E-4C33-9514-95E88FDB2899}" dt="2019-07-05T10:03:43.599" v="66" actId="20577"/>
+          <ac:spMkLst>
+            <pc:docMk/>
+            <pc:sldMk cId="4278945092" sldId="603"/>
+            <ac:spMk id="6" creationId="{00000000-0000-0000-0000-000000000000}"/>
+          </ac:spMkLst>
+        </pc:spChg>
+      </pc:sldChg>
+      <pc:sldChg chg="addSp delSp modSp ord">
+        <pc:chgData name="臧 雷" userId="0d29c245861bfd9a" providerId="LiveId" clId="{7A4F95BA-2E7E-4C33-9514-95E88FDB2899}" dt="2019-07-17T10:17:02.784" v="12543" actId="255"/>
+        <pc:sldMkLst>
+          <pc:docMk/>
+          <pc:sldMk cId="4244993528" sldId="671"/>
+        </pc:sldMkLst>
+        <pc:spChg chg="mod">
+          <ac:chgData name="臧 雷" userId="0d29c245861bfd9a" providerId="LiveId" clId="{7A4F95BA-2E7E-4C33-9514-95E88FDB2899}" dt="2019-07-06T04:06:54.927" v="2185"/>
+          <ac:spMkLst>
+            <pc:docMk/>
+            <pc:sldMk cId="4244993528" sldId="671"/>
+            <ac:spMk id="2" creationId="{00000000-0000-0000-0000-000000000000}"/>
+          </ac:spMkLst>
+        </pc:spChg>
+        <pc:spChg chg="del mod">
+          <ac:chgData name="臧 雷" userId="0d29c245861bfd9a" providerId="LiveId" clId="{7A4F95BA-2E7E-4C33-9514-95E88FDB2899}" dt="2019-07-06T07:43:37.631" v="2362" actId="478"/>
+          <ac:spMkLst>
+            <pc:docMk/>
+            <pc:sldMk cId="4244993528" sldId="671"/>
+            <ac:spMk id="8" creationId="{F12D1702-A796-409D-A677-0CA0DE389277}"/>
+          </ac:spMkLst>
+        </pc:spChg>
+        <pc:spChg chg="add mod">
+          <ac:chgData name="臧 雷" userId="0d29c245861bfd9a" providerId="LiveId" clId="{7A4F95BA-2E7E-4C33-9514-95E88FDB2899}" dt="2019-07-17T10:17:02.784" v="12543" actId="255"/>
+          <ac:spMkLst>
+            <pc:docMk/>
+            <pc:sldMk cId="4244993528" sldId="671"/>
+            <ac:spMk id="9" creationId="{0198A065-0232-49A1-BE9F-F8870A7975A2}"/>
+          </ac:spMkLst>
+        </pc:spChg>
+        <pc:graphicFrameChg chg="del">
+          <ac:chgData name="臧 雷" userId="0d29c245861bfd9a" providerId="LiveId" clId="{7A4F95BA-2E7E-4C33-9514-95E88FDB2899}" dt="2019-07-06T06:52:10.520" v="2347" actId="478"/>
+          <ac:graphicFrameMkLst>
+            <pc:docMk/>
+            <pc:sldMk cId="4244993528" sldId="671"/>
+            <ac:graphicFrameMk id="10" creationId="{0480DA36-B161-4104-8269-811A12702EB0}"/>
+          </ac:graphicFrameMkLst>
+        </pc:graphicFrameChg>
+        <pc:picChg chg="add del mod">
+          <ac:chgData name="臧 雷" userId="0d29c245861bfd9a" providerId="LiveId" clId="{7A4F95BA-2E7E-4C33-9514-95E88FDB2899}" dt="2019-07-06T08:02:31.372" v="2649" actId="478"/>
+          <ac:picMkLst>
+            <pc:docMk/>
+            <pc:sldMk cId="4244993528" sldId="671"/>
+            <ac:picMk id="3" creationId="{B7463753-5A43-4263-8387-FDE73A4A1B09}"/>
+          </ac:picMkLst>
+        </pc:picChg>
+        <pc:picChg chg="del">
+          <ac:chgData name="臧 雷" userId="0d29c245861bfd9a" providerId="LiveId" clId="{7A4F95BA-2E7E-4C33-9514-95E88FDB2899}" dt="2019-07-06T07:41:36.351" v="2348" actId="478"/>
+          <ac:picMkLst>
+            <pc:docMk/>
+            <pc:sldMk cId="4244993528" sldId="671"/>
+            <ac:picMk id="4" creationId="{DA739FC1-65C7-4EDB-BF51-59DBEB4FE3FC}"/>
+          </ac:picMkLst>
+        </pc:picChg>
+        <pc:picChg chg="del mod">
+          <ac:chgData name="臧 雷" userId="0d29c245861bfd9a" providerId="LiveId" clId="{7A4F95BA-2E7E-4C33-9514-95E88FDB2899}" dt="2019-07-06T07:59:30.902" v="2585" actId="478"/>
+          <ac:picMkLst>
+            <pc:docMk/>
+            <pc:sldMk cId="4244993528" sldId="671"/>
+            <ac:picMk id="6" creationId="{BB039E74-9D90-4546-9D68-F137F8C9BB2F}"/>
+          </ac:picMkLst>
+        </pc:picChg>
+        <pc:picChg chg="add mod">
+          <ac:chgData name="臧 雷" userId="0d29c245861bfd9a" providerId="LiveId" clId="{7A4F95BA-2E7E-4C33-9514-95E88FDB2899}" dt="2019-07-17T10:16:48.450" v="12542" actId="1076"/>
+          <ac:picMkLst>
+            <pc:docMk/>
+            <pc:sldMk cId="4244993528" sldId="671"/>
+            <ac:picMk id="7" creationId="{98D73160-3801-4AD5-AB2F-77122105A330}"/>
+          </ac:picMkLst>
+        </pc:picChg>
+      </pc:sldChg>
+      <pc:sldChg chg="addSp delSp modSp">
+        <pc:chgData name="臧 雷" userId="0d29c245861bfd9a" providerId="LiveId" clId="{7A4F95BA-2E7E-4C33-9514-95E88FDB2899}" dt="2019-07-17T12:30:53.776" v="13780" actId="20577"/>
+        <pc:sldMkLst>
+          <pc:docMk/>
+          <pc:sldMk cId="989531543" sldId="687"/>
+        </pc:sldMkLst>
+        <pc:spChg chg="mod">
+          <ac:chgData name="臧 雷" userId="0d29c245861bfd9a" providerId="LiveId" clId="{7A4F95BA-2E7E-4C33-9514-95E88FDB2899}" dt="2019-07-07T08:46:24.703" v="8503"/>
+          <ac:spMkLst>
+            <pc:docMk/>
+            <pc:sldMk cId="989531543" sldId="687"/>
+            <ac:spMk id="2" creationId="{00000000-0000-0000-0000-000000000000}"/>
+          </ac:spMkLst>
+        </pc:spChg>
+        <pc:spChg chg="add mod">
+          <ac:chgData name="臧 雷" userId="0d29c245861bfd9a" providerId="LiveId" clId="{7A4F95BA-2E7E-4C33-9514-95E88FDB2899}" dt="2019-07-17T12:30:53.776" v="13780" actId="20577"/>
+          <ac:spMkLst>
+            <pc:docMk/>
+            <pc:sldMk cId="989531543" sldId="687"/>
+            <ac:spMk id="6" creationId="{ED737C3E-20C4-470F-B2B7-2524D6806B19}"/>
+          </ac:spMkLst>
+        </pc:spChg>
+        <pc:spChg chg="del">
+          <ac:chgData name="臧 雷" userId="0d29c245861bfd9a" providerId="LiveId" clId="{7A4F95BA-2E7E-4C33-9514-95E88FDB2899}" dt="2019-07-07T08:46:41.722" v="8504" actId="478"/>
+          <ac:spMkLst>
+            <pc:docMk/>
+            <pc:sldMk cId="989531543" sldId="687"/>
+            <ac:spMk id="9" creationId="{3A8941AA-85DD-4383-9EE4-FB3C33BA22BF}"/>
+          </ac:spMkLst>
+        </pc:spChg>
+      </pc:sldChg>
+      <pc:sldChg chg="addSp modSp add ord">
+        <pc:chgData name="臧 雷" userId="0d29c245861bfd9a" providerId="LiveId" clId="{7A4F95BA-2E7E-4C33-9514-95E88FDB2899}" dt="2019-07-17T10:17:23.988" v="12546" actId="20577"/>
+        <pc:sldMkLst>
+          <pc:docMk/>
+          <pc:sldMk cId="478597765" sldId="690"/>
+        </pc:sldMkLst>
+        <pc:spChg chg="mod">
+          <ac:chgData name="臧 雷" userId="0d29c245861bfd9a" providerId="LiveId" clId="{7A4F95BA-2E7E-4C33-9514-95E88FDB2899}" dt="2019-07-17T10:17:23.988" v="12546" actId="20577"/>
+          <ac:spMkLst>
+            <pc:docMk/>
+            <pc:sldMk cId="478597765" sldId="690"/>
+            <ac:spMk id="9" creationId="{0198A065-0232-49A1-BE9F-F8870A7975A2}"/>
+          </ac:spMkLst>
+        </pc:spChg>
+        <pc:picChg chg="mod">
+          <ac:chgData name="臧 雷" userId="0d29c245861bfd9a" providerId="LiveId" clId="{7A4F95BA-2E7E-4C33-9514-95E88FDB2899}" dt="2019-07-06T08:04:12.220" v="2684" actId="1076"/>
+          <ac:picMkLst>
+            <pc:docMk/>
+            <pc:sldMk cId="478597765" sldId="690"/>
+            <ac:picMk id="3" creationId="{B7463753-5A43-4263-8387-FDE73A4A1B09}"/>
+          </ac:picMkLst>
+        </pc:picChg>
+        <pc:picChg chg="add mod">
+          <ac:chgData name="臧 雷" userId="0d29c245861bfd9a" providerId="LiveId" clId="{7A4F95BA-2E7E-4C33-9514-95E88FDB2899}" dt="2019-07-06T08:04:04.691" v="2682" actId="1076"/>
+          <ac:picMkLst>
+            <pc:docMk/>
+            <pc:sldMk cId="478597765" sldId="690"/>
+            <ac:picMk id="4" creationId="{4CB3E40F-15B0-42E0-B05D-50B5D52EE134}"/>
+          </ac:picMkLst>
+        </pc:picChg>
+        <pc:picChg chg="add mod">
+          <ac:chgData name="臧 雷" userId="0d29c245861bfd9a" providerId="LiveId" clId="{7A4F95BA-2E7E-4C33-9514-95E88FDB2899}" dt="2019-07-06T08:05:56.834" v="2711" actId="1076"/>
+          <ac:picMkLst>
+            <pc:docMk/>
+            <pc:sldMk cId="478597765" sldId="690"/>
+            <ac:picMk id="5" creationId="{6DCA9E16-8A8F-45DC-8A97-157B90CCB5ED}"/>
+          </ac:picMkLst>
+        </pc:picChg>
+        <pc:picChg chg="mod">
+          <ac:chgData name="臧 雷" userId="0d29c245861bfd9a" providerId="LiveId" clId="{7A4F95BA-2E7E-4C33-9514-95E88FDB2899}" dt="2019-07-06T08:03:41.215" v="2677" actId="1076"/>
+          <ac:picMkLst>
+            <pc:docMk/>
+            <pc:sldMk cId="478597765" sldId="690"/>
+            <ac:picMk id="7" creationId="{98D73160-3801-4AD5-AB2F-77122105A330}"/>
+          </ac:picMkLst>
+        </pc:picChg>
+      </pc:sldChg>
+      <pc:sldChg chg="addSp delSp modSp add ord">
+        <pc:chgData name="臧 雷" userId="0d29c245861bfd9a" providerId="LiveId" clId="{7A4F95BA-2E7E-4C33-9514-95E88FDB2899}" dt="2019-07-18T13:29:49.210" v="15041" actId="2711"/>
+        <pc:sldMkLst>
+          <pc:docMk/>
+          <pc:sldMk cId="2189230567" sldId="692"/>
+        </pc:sldMkLst>
+        <pc:spChg chg="mod">
+          <ac:chgData name="臧 雷" userId="0d29c245861bfd9a" providerId="LiveId" clId="{7A4F95BA-2E7E-4C33-9514-95E88FDB2899}" dt="2019-07-18T13:29:49.210" v="15041" actId="2711"/>
+          <ac:spMkLst>
+            <pc:docMk/>
+            <pc:sldMk cId="2189230567" sldId="692"/>
+            <ac:spMk id="9" creationId="{0198A065-0232-49A1-BE9F-F8870A7975A2}"/>
+          </ac:spMkLst>
+        </pc:spChg>
+        <pc:picChg chg="add mod">
+          <ac:chgData name="臧 雷" userId="0d29c245861bfd9a" providerId="LiveId" clId="{7A4F95BA-2E7E-4C33-9514-95E88FDB2899}" dt="2019-07-17T14:33:53.517" v="14607" actId="1076"/>
+          <ac:picMkLst>
+            <pc:docMk/>
+            <pc:sldMk cId="2189230567" sldId="692"/>
+            <ac:picMk id="3" creationId="{07D50F6B-9EF7-4D2B-AC13-AEBB58A50007}"/>
+          </ac:picMkLst>
+        </pc:picChg>
+        <pc:picChg chg="del mod">
+          <ac:chgData name="臧 雷" userId="0d29c245861bfd9a" providerId="LiveId" clId="{7A4F95BA-2E7E-4C33-9514-95E88FDB2899}" dt="2019-07-17T10:23:43.511" v="12768" actId="478"/>
+          <ac:picMkLst>
+            <pc:docMk/>
+            <pc:sldMk cId="2189230567" sldId="692"/>
+            <ac:picMk id="6" creationId="{8CC0DA33-7970-40E4-8401-FA4D9984B76F}"/>
+          </ac:picMkLst>
+        </pc:picChg>
+        <pc:picChg chg="del mod">
+          <ac:chgData name="臧 雷" userId="0d29c245861bfd9a" providerId="LiveId" clId="{7A4F95BA-2E7E-4C33-9514-95E88FDB2899}" dt="2019-07-06T08:41:24.972" v="3351" actId="478"/>
+          <ac:picMkLst>
+            <pc:docMk/>
+            <pc:sldMk cId="2189230567" sldId="692"/>
+            <ac:picMk id="7" creationId="{98D73160-3801-4AD5-AB2F-77122105A330}"/>
+          </ac:picMkLst>
+        </pc:picChg>
+      </pc:sldChg>
+      <pc:sldChg chg="delSp modSp add ord">
+        <pc:chgData name="臧 雷" userId="0d29c245861bfd9a" providerId="LiveId" clId="{7A4F95BA-2E7E-4C33-9514-95E88FDB2899}" dt="2019-07-17T12:13:34.625" v="13598" actId="255"/>
+        <pc:sldMkLst>
+          <pc:docMk/>
+          <pc:sldMk cId="2615947136" sldId="693"/>
+        </pc:sldMkLst>
+        <pc:spChg chg="mod">
+          <ac:chgData name="臧 雷" userId="0d29c245861bfd9a" providerId="LiveId" clId="{7A4F95BA-2E7E-4C33-9514-95E88FDB2899}" dt="2019-07-17T12:13:34.625" v="13598" actId="255"/>
+          <ac:spMkLst>
+            <pc:docMk/>
+            <pc:sldMk cId="2615947136" sldId="693"/>
+            <ac:spMk id="9" creationId="{0198A065-0232-49A1-BE9F-F8870A7975A2}"/>
+          </ac:spMkLst>
+        </pc:spChg>
+        <pc:picChg chg="del">
+          <ac:chgData name="臧 雷" userId="0d29c245861bfd9a" providerId="LiveId" clId="{7A4F95BA-2E7E-4C33-9514-95E88FDB2899}" dt="2019-07-06T08:49:27.532" v="3551" actId="478"/>
+          <ac:picMkLst>
+            <pc:docMk/>
+            <pc:sldMk cId="2615947136" sldId="693"/>
+            <ac:picMk id="3" creationId="{07D50F6B-9EF7-4D2B-AC13-AEBB58A50007}"/>
+          </ac:picMkLst>
+        </pc:picChg>
+        <pc:picChg chg="del">
+          <ac:chgData name="臧 雷" userId="0d29c245861bfd9a" providerId="LiveId" clId="{7A4F95BA-2E7E-4C33-9514-95E88FDB2899}" dt="2019-07-06T08:49:25.355" v="3550" actId="478"/>
+          <ac:picMkLst>
+            <pc:docMk/>
+            <pc:sldMk cId="2615947136" sldId="693"/>
+            <ac:picMk id="6" creationId="{8CC0DA33-7970-40E4-8401-FA4D9984B76F}"/>
+          </ac:picMkLst>
+        </pc:picChg>
+      </pc:sldChg>
+      <pc:sldChg chg="addSp modSp add ord">
+        <pc:chgData name="臧 雷" userId="0d29c245861bfd9a" providerId="LiveId" clId="{7A4F95BA-2E7E-4C33-9514-95E88FDB2899}" dt="2019-07-17T14:26:12.279" v="14547"/>
+        <pc:sldMkLst>
+          <pc:docMk/>
+          <pc:sldMk cId="2827933608" sldId="694"/>
+        </pc:sldMkLst>
+        <pc:spChg chg="add mod">
+          <ac:chgData name="臧 雷" userId="0d29c245861bfd9a" providerId="LiveId" clId="{7A4F95BA-2E7E-4C33-9514-95E88FDB2899}" dt="2019-07-14T02:30:26.936" v="11457" actId="14100"/>
+          <ac:spMkLst>
+            <pc:docMk/>
+            <pc:sldMk cId="2827933608" sldId="694"/>
+            <ac:spMk id="5" creationId="{78A2801D-1083-43E5-AF18-25895A2CA16C}"/>
+          </ac:spMkLst>
+        </pc:spChg>
+        <pc:spChg chg="mod">
+          <ac:chgData name="臧 雷" userId="0d29c245861bfd9a" providerId="LiveId" clId="{7A4F95BA-2E7E-4C33-9514-95E88FDB2899}" dt="2019-07-17T14:26:12.279" v="14547"/>
+          <ac:spMkLst>
+            <pc:docMk/>
+            <pc:sldMk cId="2827933608" sldId="694"/>
+            <ac:spMk id="9" creationId="{0198A065-0232-49A1-BE9F-F8870A7975A2}"/>
+          </ac:spMkLst>
+        </pc:spChg>
+        <pc:picChg chg="add mod">
+          <ac:chgData name="臧 雷" userId="0d29c245861bfd9a" providerId="LiveId" clId="{7A4F95BA-2E7E-4C33-9514-95E88FDB2899}" dt="2019-07-06T09:00:06.058" v="3829" actId="14100"/>
+          <ac:picMkLst>
+            <pc:docMk/>
+            <pc:sldMk cId="2827933608" sldId="694"/>
+            <ac:picMk id="4" creationId="{7C74602B-7E72-47D7-A5F0-FE13C2AEB644}"/>
+          </ac:picMkLst>
+        </pc:picChg>
+      </pc:sldChg>
+      <pc:sldChg chg="delSp modSp add">
+        <pc:chgData name="臧 雷" userId="0d29c245861bfd9a" providerId="LiveId" clId="{7A4F95BA-2E7E-4C33-9514-95E88FDB2899}" dt="2019-07-19T14:19:31.146" v="15153" actId="20577"/>
+        <pc:sldMkLst>
+          <pc:docMk/>
+          <pc:sldMk cId="2662749905" sldId="695"/>
+        </pc:sldMkLst>
+        <pc:spChg chg="mod">
+          <ac:chgData name="臧 雷" userId="0d29c245861bfd9a" providerId="LiveId" clId="{7A4F95BA-2E7E-4C33-9514-95E88FDB2899}" dt="2019-07-06T12:21:53.642" v="4540"/>
+          <ac:spMkLst>
+            <pc:docMk/>
+            <pc:sldMk cId="2662749905" sldId="695"/>
+            <ac:spMk id="2" creationId="{00000000-0000-0000-0000-000000000000}"/>
+          </ac:spMkLst>
+        </pc:spChg>
+        <pc:spChg chg="mod">
+          <ac:chgData name="臧 雷" userId="0d29c245861bfd9a" providerId="LiveId" clId="{7A4F95BA-2E7E-4C33-9514-95E88FDB2899}" dt="2019-07-19T14:19:31.146" v="15153" actId="20577"/>
+          <ac:spMkLst>
+            <pc:docMk/>
+            <pc:sldMk cId="2662749905" sldId="695"/>
+            <ac:spMk id="9" creationId="{0198A065-0232-49A1-BE9F-F8870A7975A2}"/>
+          </ac:spMkLst>
+        </pc:spChg>
+        <pc:picChg chg="del mod">
+          <ac:chgData name="臧 雷" userId="0d29c245861bfd9a" providerId="LiveId" clId="{7A4F95BA-2E7E-4C33-9514-95E88FDB2899}" dt="2019-07-06T12:22:02.522" v="4542" actId="478"/>
+          <ac:picMkLst>
+            <pc:docMk/>
+            <pc:sldMk cId="2662749905" sldId="695"/>
+            <ac:picMk id="4" creationId="{7C74602B-7E72-47D7-A5F0-FE13C2AEB644}"/>
+          </ac:picMkLst>
+        </pc:picChg>
+      </pc:sldChg>
+      <pc:sldChg chg="addSp delSp modSp add">
+        <pc:chgData name="臧 雷" userId="0d29c245861bfd9a" providerId="LiveId" clId="{7A4F95BA-2E7E-4C33-9514-95E88FDB2899}" dt="2019-07-18T03:27:49.125" v="14689" actId="14100"/>
+        <pc:sldMkLst>
+          <pc:docMk/>
+          <pc:sldMk cId="1204414731" sldId="696"/>
+        </pc:sldMkLst>
+        <pc:spChg chg="add mod ord">
+          <ac:chgData name="臧 雷" userId="0d29c245861bfd9a" providerId="LiveId" clId="{7A4F95BA-2E7E-4C33-9514-95E88FDB2899}" dt="2019-07-17T15:07:18.095" v="14633" actId="14100"/>
+          <ac:spMkLst>
+            <pc:docMk/>
+            <pc:sldMk cId="1204414731" sldId="696"/>
+            <ac:spMk id="4" creationId="{DF6D255D-5A13-4253-BDB1-C98193FEA5FE}"/>
+          </ac:spMkLst>
+        </pc:spChg>
+        <pc:spChg chg="add mod">
+          <ac:chgData name="臧 雷" userId="0d29c245861bfd9a" providerId="LiveId" clId="{7A4F95BA-2E7E-4C33-9514-95E88FDB2899}" dt="2019-07-18T03:27:49.125" v="14689" actId="14100"/>
+          <ac:spMkLst>
+            <pc:docMk/>
+            <pc:sldMk cId="1204414731" sldId="696"/>
+            <ac:spMk id="8" creationId="{15B68D05-817C-4EFD-8BC3-60E9FF47D3C6}"/>
+          </ac:spMkLst>
+        </pc:spChg>
+        <pc:spChg chg="mod">
+          <ac:chgData name="臧 雷" userId="0d29c245861bfd9a" providerId="LiveId" clId="{7A4F95BA-2E7E-4C33-9514-95E88FDB2899}" dt="2019-07-17T12:19:41.455" v="13643" actId="255"/>
+          <ac:spMkLst>
+            <pc:docMk/>
+            <pc:sldMk cId="1204414731" sldId="696"/>
+            <ac:spMk id="9" creationId="{0198A065-0232-49A1-BE9F-F8870A7975A2}"/>
+          </ac:spMkLst>
+        </pc:spChg>
+        <pc:graphicFrameChg chg="add del">
+          <ac:chgData name="臧 雷" userId="0d29c245861bfd9a" providerId="LiveId" clId="{7A4F95BA-2E7E-4C33-9514-95E88FDB2899}" dt="2019-07-06T13:24:48.657" v="4961"/>
+          <ac:graphicFrameMkLst>
+            <pc:docMk/>
+            <pc:sldMk cId="1204414731" sldId="696"/>
+            <ac:graphicFrameMk id="4" creationId="{29C7268D-DC2C-4269-866F-3F7252C77DB6}"/>
+          </ac:graphicFrameMkLst>
+        </pc:graphicFrameChg>
+        <pc:graphicFrameChg chg="add del mod modGraphic">
+          <ac:chgData name="臧 雷" userId="0d29c245861bfd9a" providerId="LiveId" clId="{7A4F95BA-2E7E-4C33-9514-95E88FDB2899}" dt="2019-07-06T13:29:52.075" v="5051" actId="478"/>
+          <ac:graphicFrameMkLst>
+            <pc:docMk/>
+            <pc:sldMk cId="1204414731" sldId="696"/>
+            <ac:graphicFrameMk id="5" creationId="{FAB2CF7E-A79F-41A3-9BA2-A25226834AF9}"/>
+          </ac:graphicFrameMkLst>
+        </pc:graphicFrameChg>
+        <pc:graphicFrameChg chg="add del">
+          <ac:chgData name="臧 雷" userId="0d29c245861bfd9a" providerId="LiveId" clId="{7A4F95BA-2E7E-4C33-9514-95E88FDB2899}" dt="2019-07-06T13:27:33.126" v="5015" actId="478"/>
+          <ac:graphicFrameMkLst>
+            <pc:docMk/>
+            <pc:sldMk cId="1204414731" sldId="696"/>
+            <ac:graphicFrameMk id="6" creationId="{301A07D2-2239-4790-9A78-2FA9DB709BC2}"/>
+          </ac:graphicFrameMkLst>
+        </pc:graphicFrameChg>
+        <pc:graphicFrameChg chg="add del">
+          <ac:chgData name="臧 雷" userId="0d29c245861bfd9a" providerId="LiveId" clId="{7A4F95BA-2E7E-4C33-9514-95E88FDB2899}" dt="2019-07-06T13:28:09.151" v="5019"/>
+          <ac:graphicFrameMkLst>
+            <pc:docMk/>
+            <pc:sldMk cId="1204414731" sldId="696"/>
+            <ac:graphicFrameMk id="7" creationId="{6924B672-D141-4182-AC82-2047739D3AE2}"/>
+          </ac:graphicFrameMkLst>
+        </pc:graphicFrameChg>
+        <pc:graphicFrameChg chg="add del mod modGraphic">
+          <ac:chgData name="臧 雷" userId="0d29c245861bfd9a" providerId="LiveId" clId="{7A4F95BA-2E7E-4C33-9514-95E88FDB2899}" dt="2019-07-06T13:29:48.060" v="5050" actId="478"/>
+          <ac:graphicFrameMkLst>
+            <pc:docMk/>
+            <pc:sldMk cId="1204414731" sldId="696"/>
+            <ac:graphicFrameMk id="8" creationId="{B8816231-9E3F-4600-966C-80EC32A76D0B}"/>
+          </ac:graphicFrameMkLst>
+        </pc:graphicFrameChg>
+        <pc:picChg chg="add mod">
+          <ac:chgData name="臧 雷" userId="0d29c245861bfd9a" providerId="LiveId" clId="{7A4F95BA-2E7E-4C33-9514-95E88FDB2899}" dt="2019-07-06T13:45:22.797" v="5140" actId="1076"/>
+          <ac:picMkLst>
+            <pc:docMk/>
+            <pc:sldMk cId="1204414731" sldId="696"/>
+            <ac:picMk id="3" creationId="{2498CBF1-177E-479F-ABD9-4F7C995FE207}"/>
+          </ac:picMkLst>
+        </pc:picChg>
+        <pc:picChg chg="add del mod">
+          <ac:chgData name="臧 雷" userId="0d29c245861bfd9a" providerId="LiveId" clId="{7A4F95BA-2E7E-4C33-9514-95E88FDB2899}" dt="2019-07-18T03:27:07.284" v="14679" actId="478"/>
+          <ac:picMkLst>
+            <pc:docMk/>
+            <pc:sldMk cId="1204414731" sldId="696"/>
+            <ac:picMk id="5" creationId="{A949657C-3CB4-492E-92EC-0AD41A3445DC}"/>
+          </ac:picMkLst>
+        </pc:picChg>
+        <pc:picChg chg="add mod ord">
+          <ac:chgData name="臧 雷" userId="0d29c245861bfd9a" providerId="LiveId" clId="{7A4F95BA-2E7E-4C33-9514-95E88FDB2899}" dt="2019-07-18T03:27:25.193" v="14685" actId="1076"/>
+          <ac:picMkLst>
+            <pc:docMk/>
+            <pc:sldMk cId="1204414731" sldId="696"/>
+            <ac:picMk id="6" creationId="{43229425-CC89-421D-A946-124AFF53C382}"/>
+          </ac:picMkLst>
+        </pc:picChg>
+        <pc:picChg chg="add del mod">
+          <ac:chgData name="臧 雷" userId="0d29c245861bfd9a" providerId="LiveId" clId="{7A4F95BA-2E7E-4C33-9514-95E88FDB2899}" dt="2019-07-17T15:06:54.093" v="14626" actId="478"/>
+          <ac:picMkLst>
+            <pc:docMk/>
+            <pc:sldMk cId="1204414731" sldId="696"/>
+            <ac:picMk id="10" creationId="{92C3C95E-7AD4-437E-AF42-1DE297AA33DA}"/>
+          </ac:picMkLst>
+        </pc:picChg>
+        <pc:picChg chg="add mod">
+          <ac:chgData name="臧 雷" userId="0d29c245861bfd9a" providerId="LiveId" clId="{7A4F95BA-2E7E-4C33-9514-95E88FDB2899}" dt="2019-07-18T03:27:42.106" v="14687" actId="1076"/>
+          <ac:picMkLst>
+            <pc:docMk/>
+            <pc:sldMk cId="1204414731" sldId="696"/>
+            <ac:picMk id="11" creationId="{CAB6CA67-C90C-4DB4-9F17-317CFFB16A9B}"/>
+          </ac:picMkLst>
+        </pc:picChg>
+      </pc:sldChg>
+      <pc:sldChg chg="addSp delSp modSp add">
+        <pc:chgData name="臧 雷" userId="0d29c245861bfd9a" providerId="LiveId" clId="{7A4F95BA-2E7E-4C33-9514-95E88FDB2899}" dt="2019-07-18T03:28:45.282" v="14697" actId="1076"/>
+        <pc:sldMkLst>
+          <pc:docMk/>
+          <pc:sldMk cId="2868719867" sldId="697"/>
+        </pc:sldMkLst>
+        <pc:spChg chg="add mod">
+          <ac:chgData name="臧 雷" userId="0d29c245861bfd9a" providerId="LiveId" clId="{7A4F95BA-2E7E-4C33-9514-95E88FDB2899}" dt="2019-07-18T03:28:45.282" v="14697" actId="1076"/>
+          <ac:spMkLst>
+            <pc:docMk/>
+            <pc:sldMk cId="2868719867" sldId="697"/>
+            <ac:spMk id="8" creationId="{4972ABFD-24C2-4E08-A021-44CD045C8431}"/>
+          </ac:spMkLst>
+        </pc:spChg>
+        <pc:spChg chg="mod">
+          <ac:chgData name="臧 雷" userId="0d29c245861bfd9a" providerId="LiveId" clId="{7A4F95BA-2E7E-4C33-9514-95E88FDB2899}" dt="2019-07-17T12:19:52.194" v="13644" actId="255"/>
+          <ac:spMkLst>
+            <pc:docMk/>
+            <pc:sldMk cId="2868719867" sldId="697"/>
+            <ac:spMk id="9" creationId="{0198A065-0232-49A1-BE9F-F8870A7975A2}"/>
+          </ac:spMkLst>
+        </pc:spChg>
+        <pc:spChg chg="add mod">
+          <ac:chgData name="臧 雷" userId="0d29c245861bfd9a" providerId="LiveId" clId="{7A4F95BA-2E7E-4C33-9514-95E88FDB2899}" dt="2019-07-17T14:38:27.875" v="14612" actId="1076"/>
+          <ac:spMkLst>
+            <pc:docMk/>
+            <pc:sldMk cId="2868719867" sldId="697"/>
+            <ac:spMk id="10" creationId="{76F79001-6A1F-41DF-8A42-1D8AC23574C2}"/>
+          </ac:spMkLst>
+        </pc:spChg>
+        <pc:picChg chg="del">
+          <ac:chgData name="臧 雷" userId="0d29c245861bfd9a" providerId="LiveId" clId="{7A4F95BA-2E7E-4C33-9514-95E88FDB2899}" dt="2019-07-06T13:41:26.323" v="5115" actId="478"/>
+          <ac:picMkLst>
+            <pc:docMk/>
+            <pc:sldMk cId="2868719867" sldId="697"/>
+            <ac:picMk id="3" creationId="{2498CBF1-177E-479F-ABD9-4F7C995FE207}"/>
+          </ac:picMkLst>
+        </pc:picChg>
+        <pc:picChg chg="add del mod ord modCrop">
+          <ac:chgData name="臧 雷" userId="0d29c245861bfd9a" providerId="LiveId" clId="{7A4F95BA-2E7E-4C33-9514-95E88FDB2899}" dt="2019-07-18T03:28:13.179" v="14690" actId="478"/>
+          <ac:picMkLst>
+            <pc:docMk/>
+            <pc:sldMk cId="2868719867" sldId="697"/>
+            <ac:picMk id="3" creationId="{CA4E6A05-945F-45BA-9050-91C378A1486A}"/>
+          </ac:picMkLst>
+        </pc:picChg>
+        <pc:picChg chg="add del mod">
+          <ac:chgData name="臧 雷" userId="0d29c245861bfd9a" providerId="LiveId" clId="{7A4F95BA-2E7E-4C33-9514-95E88FDB2899}" dt="2019-07-06T13:42:25.539" v="5123" actId="478"/>
+          <ac:picMkLst>
+            <pc:docMk/>
+            <pc:sldMk cId="2868719867" sldId="697"/>
+            <ac:picMk id="4" creationId="{911F1997-4E0F-453A-A551-EDB4EE8C23B4}"/>
+          </ac:picMkLst>
+        </pc:picChg>
+        <pc:picChg chg="add mod ord">
+          <ac:chgData name="臧 雷" userId="0d29c245861bfd9a" providerId="LiveId" clId="{7A4F95BA-2E7E-4C33-9514-95E88FDB2899}" dt="2019-07-18T03:28:37.425" v="14696" actId="14100"/>
+          <ac:picMkLst>
+            <pc:docMk/>
+            <pc:sldMk cId="2868719867" sldId="697"/>
+            <ac:picMk id="4" creationId="{CC9E88AA-D286-4246-847D-984F07CDE4E1}"/>
+          </ac:picMkLst>
+        </pc:picChg>
+        <pc:picChg chg="add mod">
+          <ac:chgData name="臧 雷" userId="0d29c245861bfd9a" providerId="LiveId" clId="{7A4F95BA-2E7E-4C33-9514-95E88FDB2899}" dt="2019-07-17T12:20:12.593" v="13649" actId="1076"/>
+          <ac:picMkLst>
+            <pc:docMk/>
+            <pc:sldMk cId="2868719867" sldId="697"/>
+            <ac:picMk id="5" creationId="{EE8ECB36-4895-42B6-8F99-F15CF822BEDD}"/>
+          </ac:picMkLst>
+        </pc:picChg>
+        <pc:picChg chg="add del mod">
+          <ac:chgData name="臧 雷" userId="0d29c245861bfd9a" providerId="LiveId" clId="{7A4F95BA-2E7E-4C33-9514-95E88FDB2899}" dt="2019-07-17T15:07:47.942" v="14634" actId="478"/>
+          <ac:picMkLst>
+            <pc:docMk/>
+            <pc:sldMk cId="2868719867" sldId="697"/>
+            <ac:picMk id="6" creationId="{49AC136C-AA7E-4FEB-98A0-39B98A84F65A}"/>
+          </ac:picMkLst>
+        </pc:picChg>
+        <pc:picChg chg="add mod">
+          <ac:chgData name="臧 雷" userId="0d29c245861bfd9a" providerId="LiveId" clId="{7A4F95BA-2E7E-4C33-9514-95E88FDB2899}" dt="2019-07-17T12:19:58.643" v="13645" actId="1076"/>
+          <ac:picMkLst>
+            <pc:docMk/>
+            <pc:sldMk cId="2868719867" sldId="697"/>
+            <ac:picMk id="7" creationId="{ECB0733D-7BC8-4A62-AAC8-7B278ED769B8}"/>
+          </ac:picMkLst>
+        </pc:picChg>
+        <pc:picChg chg="del">
+          <ac:chgData name="臧 雷" userId="0d29c245861bfd9a" providerId="LiveId" clId="{7A4F95BA-2E7E-4C33-9514-95E88FDB2899}" dt="2019-07-06T13:42:17.791" v="5122" actId="478"/>
+          <ac:picMkLst>
+            <pc:docMk/>
+            <pc:sldMk cId="2868719867" sldId="697"/>
+            <ac:picMk id="10" creationId="{92C3C95E-7AD4-437E-AF42-1DE297AA33DA}"/>
+          </ac:picMkLst>
+        </pc:picChg>
+        <pc:picChg chg="del">
+          <ac:chgData name="臧 雷" userId="0d29c245861bfd9a" providerId="LiveId" clId="{7A4F95BA-2E7E-4C33-9514-95E88FDB2899}" dt="2019-07-06T13:44:09.667" v="5130" actId="478"/>
+          <ac:picMkLst>
+            <pc:docMk/>
+            <pc:sldMk cId="2868719867" sldId="697"/>
+            <ac:picMk id="11" creationId="{CAB6CA67-C90C-4DB4-9F17-317CFFB16A9B}"/>
+          </ac:picMkLst>
+        </pc:picChg>
+      </pc:sldChg>
+      <pc:sldChg chg="addSp delSp modSp add">
+        <pc:chgData name="臧 雷" userId="0d29c245861bfd9a" providerId="LiveId" clId="{7A4F95BA-2E7E-4C33-9514-95E88FDB2899}" dt="2019-07-18T03:29:25.128" v="14702" actId="1076"/>
+        <pc:sldMkLst>
+          <pc:docMk/>
+          <pc:sldMk cId="3590100369" sldId="698"/>
+        </pc:sldMkLst>
+        <pc:spChg chg="add mod">
+          <ac:chgData name="臧 雷" userId="0d29c245861bfd9a" providerId="LiveId" clId="{7A4F95BA-2E7E-4C33-9514-95E88FDB2899}" dt="2019-07-17T15:09:52.027" v="14660" actId="14100"/>
+          <ac:spMkLst>
+            <pc:docMk/>
+            <pc:sldMk cId="3590100369" sldId="698"/>
+            <ac:spMk id="7" creationId="{1DC7BE08-E03F-4ABE-9744-0163BE4675A4}"/>
+          </ac:spMkLst>
+        </pc:spChg>
+        <pc:spChg chg="mod">
+          <ac:chgData name="臧 雷" userId="0d29c245861bfd9a" providerId="LiveId" clId="{7A4F95BA-2E7E-4C33-9514-95E88FDB2899}" dt="2019-07-17T15:09:24.212" v="14656" actId="20577"/>
+          <ac:spMkLst>
+            <pc:docMk/>
+            <pc:sldMk cId="3590100369" sldId="698"/>
+            <ac:spMk id="9" creationId="{0198A065-0232-49A1-BE9F-F8870A7975A2}"/>
+          </ac:spMkLst>
+        </pc:spChg>
+        <pc:spChg chg="add mod">
+          <ac:chgData name="臧 雷" userId="0d29c245861bfd9a" providerId="LiveId" clId="{7A4F95BA-2E7E-4C33-9514-95E88FDB2899}" dt="2019-07-17T14:38:44.360" v="14614" actId="1076"/>
+          <ac:spMkLst>
+            <pc:docMk/>
+            <pc:sldMk cId="3590100369" sldId="698"/>
+            <ac:spMk id="10" creationId="{07381187-16C0-4BBB-89EF-8D7F8359FA70}"/>
+          </ac:spMkLst>
+        </pc:spChg>
+        <pc:picChg chg="add del mod">
+          <ac:chgData name="臧 雷" userId="0d29c245861bfd9a" providerId="LiveId" clId="{7A4F95BA-2E7E-4C33-9514-95E88FDB2899}" dt="2019-07-17T15:09:04.697" v="14645" actId="478"/>
+          <ac:picMkLst>
+            <pc:docMk/>
+            <pc:sldMk cId="3590100369" sldId="698"/>
+            <ac:picMk id="3" creationId="{9E03F47C-2B67-41C5-BA6B-6E122E17E251}"/>
+          </ac:picMkLst>
+        </pc:picChg>
+        <pc:picChg chg="add mod ord">
+          <ac:chgData name="臧 雷" userId="0d29c245861bfd9a" providerId="LiveId" clId="{7A4F95BA-2E7E-4C33-9514-95E88FDB2899}" dt="2019-07-18T03:29:25.128" v="14702" actId="1076"/>
+          <ac:picMkLst>
+            <pc:docMk/>
+            <pc:sldMk cId="3590100369" sldId="698"/>
+            <ac:picMk id="3" creationId="{C253C63D-72A9-49F5-8AB4-C00A158573F4}"/>
+          </ac:picMkLst>
+        </pc:picChg>
+        <pc:picChg chg="add mod">
+          <ac:chgData name="臧 雷" userId="0d29c245861bfd9a" providerId="LiveId" clId="{7A4F95BA-2E7E-4C33-9514-95E88FDB2899}" dt="2019-07-17T12:20:28.223" v="13651" actId="1076"/>
+          <ac:picMkLst>
+            <pc:docMk/>
+            <pc:sldMk cId="3590100369" sldId="698"/>
+            <ac:picMk id="4" creationId="{E84D18BC-1E3D-461F-9690-9653BA2E76E6}"/>
+          </ac:picMkLst>
+        </pc:picChg>
+        <pc:picChg chg="add del mod ord">
+          <ac:chgData name="臧 雷" userId="0d29c245861bfd9a" providerId="LiveId" clId="{7A4F95BA-2E7E-4C33-9514-95E88FDB2899}" dt="2019-07-18T03:29:14.996" v="14698" actId="478"/>
+          <ac:picMkLst>
+            <pc:docMk/>
+            <pc:sldMk cId="3590100369" sldId="698"/>
+            <ac:picMk id="5" creationId="{8E212C10-9FC6-45A4-AD0C-6A139843DB81}"/>
+          </ac:picMkLst>
+        </pc:picChg>
+        <pc:picChg chg="del">
+          <ac:chgData name="臧 雷" userId="0d29c245861bfd9a" providerId="LiveId" clId="{7A4F95BA-2E7E-4C33-9514-95E88FDB2899}" dt="2019-07-06T13:48:57.699" v="5183" actId="478"/>
+          <ac:picMkLst>
+            <pc:docMk/>
+            <pc:sldMk cId="3590100369" sldId="698"/>
+            <ac:picMk id="5" creationId="{EE8ECB36-4895-42B6-8F99-F15CF822BEDD}"/>
+          </ac:picMkLst>
+        </pc:picChg>
+        <pc:picChg chg="del">
+          <ac:chgData name="臧 雷" userId="0d29c245861bfd9a" providerId="LiveId" clId="{7A4F95BA-2E7E-4C33-9514-95E88FDB2899}" dt="2019-07-06T13:48:16.924" v="5177" actId="478"/>
+          <ac:picMkLst>
+            <pc:docMk/>
+            <pc:sldMk cId="3590100369" sldId="698"/>
+            <ac:picMk id="6" creationId="{49AC136C-AA7E-4FEB-98A0-39B98A84F65A}"/>
+          </ac:picMkLst>
+        </pc:picChg>
+        <pc:picChg chg="del">
+          <ac:chgData name="臧 雷" userId="0d29c245861bfd9a" providerId="LiveId" clId="{7A4F95BA-2E7E-4C33-9514-95E88FDB2899}" dt="2019-07-06T13:49:44.578" v="5192" actId="478"/>
+          <ac:picMkLst>
+            <pc:docMk/>
+            <pc:sldMk cId="3590100369" sldId="698"/>
+            <ac:picMk id="7" creationId="{ECB0733D-7BC8-4A62-AAC8-7B278ED769B8}"/>
+          </ac:picMkLst>
+        </pc:picChg>
+        <pc:picChg chg="add mod">
+          <ac:chgData name="臧 雷" userId="0d29c245861bfd9a" providerId="LiveId" clId="{7A4F95BA-2E7E-4C33-9514-95E88FDB2899}" dt="2019-07-17T12:20:31.224" v="13653" actId="1076"/>
+          <ac:picMkLst>
+            <pc:docMk/>
+            <pc:sldMk cId="3590100369" sldId="698"/>
+            <ac:picMk id="8" creationId="{3C1889DC-CBD0-43BA-8536-4138AE7AB80A}"/>
+          </ac:picMkLst>
+        </pc:picChg>
+      </pc:sldChg>
+      <pc:sldChg chg="addSp delSp modSp add">
+        <pc:chgData name="臧 雷" userId="0d29c245861bfd9a" providerId="LiveId" clId="{7A4F95BA-2E7E-4C33-9514-95E88FDB2899}" dt="2019-07-18T03:30:07.377" v="14714" actId="14100"/>
+        <pc:sldMkLst>
+          <pc:docMk/>
+          <pc:sldMk cId="1533387997" sldId="699"/>
+        </pc:sldMkLst>
+        <pc:spChg chg="add mod">
+          <ac:chgData name="臧 雷" userId="0d29c245861bfd9a" providerId="LiveId" clId="{7A4F95BA-2E7E-4C33-9514-95E88FDB2899}" dt="2019-07-18T03:30:07.377" v="14714" actId="14100"/>
+          <ac:spMkLst>
+            <pc:docMk/>
+            <pc:sldMk cId="1533387997" sldId="699"/>
+            <ac:spMk id="8" creationId="{17200481-070D-4C3F-93D8-3AA575814B9E}"/>
+          </ac:spMkLst>
+        </pc:spChg>
+        <pc:spChg chg="mod">
+          <ac:chgData name="臧 雷" userId="0d29c245861bfd9a" providerId="LiveId" clId="{7A4F95BA-2E7E-4C33-9514-95E88FDB2899}" dt="2019-07-18T03:29:47.116" v="14708" actId="20577"/>
+          <ac:spMkLst>
+            <pc:docMk/>
+            <pc:sldMk cId="1533387997" sldId="699"/>
+            <ac:spMk id="9" creationId="{0198A065-0232-49A1-BE9F-F8870A7975A2}"/>
+          </ac:spMkLst>
+        </pc:spChg>
+        <pc:spChg chg="add mod">
+          <ac:chgData name="臧 雷" userId="0d29c245861bfd9a" providerId="LiveId" clId="{7A4F95BA-2E7E-4C33-9514-95E88FDB2899}" dt="2019-07-17T14:39:31.575" v="14621" actId="1076"/>
+          <ac:spMkLst>
+            <pc:docMk/>
+            <pc:sldMk cId="1533387997" sldId="699"/>
+            <ac:spMk id="10" creationId="{2D3A5F13-69CC-4DFD-8256-65B2AEE15551}"/>
+          </ac:spMkLst>
+        </pc:spChg>
+        <pc:picChg chg="add del mod ord">
+          <ac:chgData name="臧 雷" userId="0d29c245861bfd9a" providerId="LiveId" clId="{7A4F95BA-2E7E-4C33-9514-95E88FDB2899}" dt="2019-07-18T03:29:48.753" v="14709" actId="478"/>
+          <ac:picMkLst>
+            <pc:docMk/>
+            <pc:sldMk cId="1533387997" sldId="699"/>
+            <ac:picMk id="3" creationId="{34E309B3-3C46-44D8-8CE2-0743D8BEF4DC}"/>
+          </ac:picMkLst>
+        </pc:picChg>
+        <pc:picChg chg="del">
+          <ac:chgData name="臧 雷" userId="0d29c245861bfd9a" providerId="LiveId" clId="{7A4F95BA-2E7E-4C33-9514-95E88FDB2899}" dt="2019-07-06T13:52:17.630" v="5220" actId="478"/>
+          <ac:picMkLst>
+            <pc:docMk/>
+            <pc:sldMk cId="1533387997" sldId="699"/>
+            <ac:picMk id="3" creationId="{9E03F47C-2B67-41C5-BA6B-6E122E17E251}"/>
+          </ac:picMkLst>
+        </pc:picChg>
+        <pc:picChg chg="add mod ord">
+          <ac:chgData name="臧 雷" userId="0d29c245861bfd9a" providerId="LiveId" clId="{7A4F95BA-2E7E-4C33-9514-95E88FDB2899}" dt="2019-07-18T03:29:58.104" v="14713" actId="1076"/>
+          <ac:picMkLst>
+            <pc:docMk/>
+            <pc:sldMk cId="1533387997" sldId="699"/>
+            <ac:picMk id="4" creationId="{7E6CFD58-86A9-4361-9CF9-A645639F27E4}"/>
+          </ac:picMkLst>
+        </pc:picChg>
+        <pc:picChg chg="del">
+          <ac:chgData name="臧 雷" userId="0d29c245861bfd9a" providerId="LiveId" clId="{7A4F95BA-2E7E-4C33-9514-95E88FDB2899}" dt="2019-07-06T13:51:36.581" v="5213" actId="478"/>
+          <ac:picMkLst>
+            <pc:docMk/>
+            <pc:sldMk cId="1533387997" sldId="699"/>
+            <ac:picMk id="4" creationId="{E84D18BC-1E3D-461F-9690-9653BA2E76E6}"/>
+          </ac:picMkLst>
+        </pc:picChg>
+        <pc:picChg chg="add mod">
+          <ac:chgData name="臧 雷" userId="0d29c245861bfd9a" providerId="LiveId" clId="{7A4F95BA-2E7E-4C33-9514-95E88FDB2899}" dt="2019-07-17T12:20:50.731" v="13657" actId="1076"/>
+          <ac:picMkLst>
+            <pc:docMk/>
+            <pc:sldMk cId="1533387997" sldId="699"/>
+            <ac:picMk id="5" creationId="{06B140E7-21F0-45D0-8939-62C361E57E8E}"/>
+          </ac:picMkLst>
+        </pc:picChg>
+        <pc:picChg chg="add del mod">
+          <ac:chgData name="臧 雷" userId="0d29c245861bfd9a" providerId="LiveId" clId="{7A4F95BA-2E7E-4C33-9514-95E88FDB2899}" dt="2019-07-17T15:10:16.042" v="14661" actId="478"/>
+          <ac:picMkLst>
+            <pc:docMk/>
+            <pc:sldMk cId="1533387997" sldId="699"/>
+            <ac:picMk id="6" creationId="{9CD40721-3799-4AA3-9C38-ACF2BB0CD803}"/>
+          </ac:picMkLst>
+        </pc:picChg>
+        <pc:picChg chg="add mod">
+          <ac:chgData name="臧 雷" userId="0d29c245861bfd9a" providerId="LiveId" clId="{7A4F95BA-2E7E-4C33-9514-95E88FDB2899}" dt="2019-07-17T14:39:24.993" v="14620" actId="1076"/>
+          <ac:picMkLst>
+            <pc:docMk/>
+            <pc:sldMk cId="1533387997" sldId="699"/>
+            <ac:picMk id="7" creationId="{27E4F20B-6502-4123-9A37-F4147F7B19D7}"/>
+          </ac:picMkLst>
+        </pc:picChg>
+        <pc:picChg chg="del">
+          <ac:chgData name="臧 雷" userId="0d29c245861bfd9a" providerId="LiveId" clId="{7A4F95BA-2E7E-4C33-9514-95E88FDB2899}" dt="2019-07-06T13:53:13.874" v="5228" actId="478"/>
+          <ac:picMkLst>
+            <pc:docMk/>
+            <pc:sldMk cId="1533387997" sldId="699"/>
+            <ac:picMk id="8" creationId="{3C1889DC-CBD0-43BA-8536-4138AE7AB80A}"/>
+          </ac:picMkLst>
+        </pc:picChg>
+      </pc:sldChg>
+      <pc:sldChg chg="addSp delSp modSp add">
+        <pc:chgData name="臧 雷" userId="0d29c245861bfd9a" providerId="LiveId" clId="{7A4F95BA-2E7E-4C33-9514-95E88FDB2899}" dt="2019-07-18T03:30:46.679" v="14728" actId="1076"/>
+        <pc:sldMkLst>
+          <pc:docMk/>
+          <pc:sldMk cId="4153502169" sldId="700"/>
+        </pc:sldMkLst>
+        <pc:spChg chg="add mod">
+          <ac:chgData name="臧 雷" userId="0d29c245861bfd9a" providerId="LiveId" clId="{7A4F95BA-2E7E-4C33-9514-95E88FDB2899}" dt="2019-07-17T15:11:13.154" v="14674" actId="1076"/>
+          <ac:spMkLst>
+            <pc:docMk/>
+            <pc:sldMk cId="4153502169" sldId="700"/>
+            <ac:spMk id="7" creationId="{F90FE76F-F3DD-41DC-96F1-005D4F74FB15}"/>
+          </ac:spMkLst>
+        </pc:spChg>
+        <pc:spChg chg="mod">
+          <ac:chgData name="臧 雷" userId="0d29c245861bfd9a" providerId="LiveId" clId="{7A4F95BA-2E7E-4C33-9514-95E88FDB2899}" dt="2019-07-18T03:30:36.047" v="14725" actId="20577"/>
+          <ac:spMkLst>
+            <pc:docMk/>
+            <pc:sldMk cId="4153502169" sldId="700"/>
+            <ac:spMk id="9" creationId="{0198A065-0232-49A1-BE9F-F8870A7975A2}"/>
+          </ac:spMkLst>
+        </pc:spChg>
+        <pc:spChg chg="add mod">
+          <ac:chgData name="臧 雷" userId="0d29c245861bfd9a" providerId="LiveId" clId="{7A4F95BA-2E7E-4C33-9514-95E88FDB2899}" dt="2019-07-17T14:40:01.950" v="14624" actId="1076"/>
+          <ac:spMkLst>
+            <pc:docMk/>
+            <pc:sldMk cId="4153502169" sldId="700"/>
+            <ac:spMk id="10" creationId="{DEB00096-DFE9-4C1D-B7D1-8E1AA3373B22}"/>
+          </ac:spMkLst>
+        </pc:spChg>
+        <pc:picChg chg="add mod">
+          <ac:chgData name="臧 雷" userId="0d29c245861bfd9a" providerId="LiveId" clId="{7A4F95BA-2E7E-4C33-9514-95E88FDB2899}" dt="2019-07-17T12:21:18.429" v="13661" actId="1076"/>
+          <ac:picMkLst>
+            <pc:docMk/>
+            <pc:sldMk cId="4153502169" sldId="700"/>
+            <ac:picMk id="3" creationId="{D717E0F2-DCA6-43A0-8CC7-21F48B7B635F}"/>
+          </ac:picMkLst>
+        </pc:picChg>
+        <pc:picChg chg="add del mod">
+          <ac:chgData name="臧 雷" userId="0d29c245861bfd9a" providerId="LiveId" clId="{7A4F95BA-2E7E-4C33-9514-95E88FDB2899}" dt="2019-07-17T15:10:58.521" v="14669" actId="478"/>
+          <ac:picMkLst>
+            <pc:docMk/>
+            <pc:sldMk cId="4153502169" sldId="700"/>
+            <ac:picMk id="4" creationId="{B00F172B-029D-4B16-81E2-492EF81BFC82}"/>
+          </ac:picMkLst>
+        </pc:picChg>
+        <pc:picChg chg="add mod ord">
+          <ac:chgData name="臧 雷" userId="0d29c245861bfd9a" providerId="LiveId" clId="{7A4F95BA-2E7E-4C33-9514-95E88FDB2899}" dt="2019-07-18T03:30:46.679" v="14728" actId="1076"/>
+          <ac:picMkLst>
+            <pc:docMk/>
+            <pc:sldMk cId="4153502169" sldId="700"/>
+            <ac:picMk id="4" creationId="{EAC5A4BC-D6BC-4DDB-81FE-F262C0C79564}"/>
+          </ac:picMkLst>
+        </pc:picChg>
+        <pc:picChg chg="del">
+          <ac:chgData name="臧 雷" userId="0d29c245861bfd9a" providerId="LiveId" clId="{7A4F95BA-2E7E-4C33-9514-95E88FDB2899}" dt="2019-07-06T13:54:09.254" v="5260" actId="478"/>
+          <ac:picMkLst>
+            <pc:docMk/>
+            <pc:sldMk cId="4153502169" sldId="700"/>
+            <ac:picMk id="5" creationId="{06B140E7-21F0-45D0-8939-62C361E57E8E}"/>
+          </ac:picMkLst>
+        </pc:picChg>
+        <pc:picChg chg="add del mod ord">
+          <ac:chgData name="臧 雷" userId="0d29c245861bfd9a" providerId="LiveId" clId="{7A4F95BA-2E7E-4C33-9514-95E88FDB2899}" dt="2019-07-18T03:30:24.196" v="14715" actId="478"/>
+          <ac:picMkLst>
+            <pc:docMk/>
+            <pc:sldMk cId="4153502169" sldId="700"/>
+            <ac:picMk id="5" creationId="{53458789-9EB4-4F4F-8534-9B9AFCC94FAE}"/>
+          </ac:picMkLst>
+        </pc:picChg>
+        <pc:picChg chg="del">
+          <ac:chgData name="臧 雷" userId="0d29c245861bfd9a" providerId="LiveId" clId="{7A4F95BA-2E7E-4C33-9514-95E88FDB2899}" dt="2019-07-06T13:54:22.567" v="5266" actId="478"/>
+          <ac:picMkLst>
+            <pc:docMk/>
+            <pc:sldMk cId="4153502169" sldId="700"/>
+            <ac:picMk id="6" creationId="{9CD40721-3799-4AA3-9C38-ACF2BB0CD803}"/>
+          </ac:picMkLst>
+        </pc:picChg>
+        <pc:picChg chg="del">
+          <ac:chgData name="臧 雷" userId="0d29c245861bfd9a" providerId="LiveId" clId="{7A4F95BA-2E7E-4C33-9514-95E88FDB2899}" dt="2019-07-06T13:54:51.808" v="5270" actId="478"/>
+          <ac:picMkLst>
+            <pc:docMk/>
+            <pc:sldMk cId="4153502169" sldId="700"/>
+            <ac:picMk id="7" creationId="{27E4F20B-6502-4123-9A37-F4147F7B19D7}"/>
+          </ac:picMkLst>
+        </pc:picChg>
+        <pc:picChg chg="add mod">
+          <ac:chgData name="臧 雷" userId="0d29c245861bfd9a" providerId="LiveId" clId="{7A4F95BA-2E7E-4C33-9514-95E88FDB2899}" dt="2019-07-17T12:21:09.752" v="13659" actId="1076"/>
+          <ac:picMkLst>
+            <pc:docMk/>
+            <pc:sldMk cId="4153502169" sldId="700"/>
+            <ac:picMk id="8" creationId="{6EA19CB0-BE3A-4CC2-B4AD-195E435A30DC}"/>
+          </ac:picMkLst>
+        </pc:picChg>
+      </pc:sldChg>
+      <pc:sldChg chg="delSp modSp add">
+        <pc:chgData name="臧 雷" userId="0d29c245861bfd9a" providerId="LiveId" clId="{7A4F95BA-2E7E-4C33-9514-95E88FDB2899}" dt="2019-07-17T12:21:43.847" v="13663" actId="14100"/>
+        <pc:sldMkLst>
+          <pc:docMk/>
+          <pc:sldMk cId="4077453709" sldId="701"/>
+        </pc:sldMkLst>
+        <pc:spChg chg="mod">
+          <ac:chgData name="臧 雷" userId="0d29c245861bfd9a" providerId="LiveId" clId="{7A4F95BA-2E7E-4C33-9514-95E88FDB2899}" dt="2019-07-17T12:21:43.847" v="13663" actId="14100"/>
+          <ac:spMkLst>
+            <pc:docMk/>
+            <pc:sldMk cId="4077453709" sldId="701"/>
+            <ac:spMk id="9" creationId="{0198A065-0232-49A1-BE9F-F8870A7975A2}"/>
+          </ac:spMkLst>
+        </pc:spChg>
+        <pc:picChg chg="del">
+          <ac:chgData name="臧 雷" userId="0d29c245861bfd9a" providerId="LiveId" clId="{7A4F95BA-2E7E-4C33-9514-95E88FDB2899}" dt="2019-07-06T13:55:40.363" v="5275" actId="478"/>
+          <ac:picMkLst>
+            <pc:docMk/>
+            <pc:sldMk cId="4077453709" sldId="701"/>
+            <ac:picMk id="3" creationId="{D717E0F2-DCA6-43A0-8CC7-21F48B7B635F}"/>
+          </ac:picMkLst>
+        </pc:picChg>
+        <pc:picChg chg="del">
+          <ac:chgData name="臧 雷" userId="0d29c245861bfd9a" providerId="LiveId" clId="{7A4F95BA-2E7E-4C33-9514-95E88FDB2899}" dt="2019-07-06T13:55:41.952" v="5276" actId="478"/>
+          <ac:picMkLst>
+            <pc:docMk/>
+            <pc:sldMk cId="4077453709" sldId="701"/>
+            <ac:picMk id="4" creationId="{B00F172B-029D-4B16-81E2-492EF81BFC82}"/>
+          </ac:picMkLst>
+        </pc:picChg>
+        <pc:picChg chg="del">
+          <ac:chgData name="臧 雷" userId="0d29c245861bfd9a" providerId="LiveId" clId="{7A4F95BA-2E7E-4C33-9514-95E88FDB2899}" dt="2019-07-06T13:55:43.365" v="5277" actId="478"/>
+          <ac:picMkLst>
+            <pc:docMk/>
+            <pc:sldMk cId="4077453709" sldId="701"/>
+            <ac:picMk id="8" creationId="{6EA19CB0-BE3A-4CC2-B4AD-195E435A30DC}"/>
+          </ac:picMkLst>
+        </pc:picChg>
+      </pc:sldChg>
+      <pc:sldChg chg="addSp delSp modSp add">
+        <pc:chgData name="臧 雷" userId="0d29c245861bfd9a" providerId="LiveId" clId="{7A4F95BA-2E7E-4C33-9514-95E88FDB2899}" dt="2019-07-17T12:22:14.388" v="13671" actId="1076"/>
+        <pc:sldMkLst>
+          <pc:docMk/>
+          <pc:sldMk cId="1443433812" sldId="702"/>
+        </pc:sldMkLst>
+        <pc:spChg chg="mod">
+          <ac:chgData name="臧 雷" userId="0d29c245861bfd9a" providerId="LiveId" clId="{7A4F95BA-2E7E-4C33-9514-95E88FDB2899}" dt="2019-07-17T12:21:58.709" v="13665" actId="255"/>
+          <ac:spMkLst>
+            <pc:docMk/>
+            <pc:sldMk cId="1443433812" sldId="702"/>
+            <ac:spMk id="9" creationId="{0198A065-0232-49A1-BE9F-F8870A7975A2}"/>
+          </ac:spMkLst>
+        </pc:spChg>
+        <pc:picChg chg="del">
+          <ac:chgData name="臧 雷" userId="0d29c245861bfd9a" providerId="LiveId" clId="{7A4F95BA-2E7E-4C33-9514-95E88FDB2899}" dt="2019-07-06T14:14:43.138" v="5765" actId="478"/>
+          <ac:picMkLst>
+            <pc:docMk/>
+            <pc:sldMk cId="1443433812" sldId="702"/>
+            <ac:picMk id="3" creationId="{D717E0F2-DCA6-43A0-8CC7-21F48B7B635F}"/>
+          </ac:picMkLst>
+        </pc:picChg>
+        <pc:picChg chg="del">
+          <ac:chgData name="臧 雷" userId="0d29c245861bfd9a" providerId="LiveId" clId="{7A4F95BA-2E7E-4C33-9514-95E88FDB2899}" dt="2019-07-06T14:14:40.381" v="5763" actId="478"/>
+          <ac:picMkLst>
+            <pc:docMk/>
+            <pc:sldMk cId="1443433812" sldId="702"/>
+            <ac:picMk id="4" creationId="{B00F172B-029D-4B16-81E2-492EF81BFC82}"/>
+          </ac:picMkLst>
+        </pc:picChg>
+        <pc:picChg chg="add del mod">
+          <ac:chgData name="臧 雷" userId="0d29c245861bfd9a" providerId="LiveId" clId="{7A4F95BA-2E7E-4C33-9514-95E88FDB2899}" dt="2019-07-06T14:25:33.478" v="6037" actId="478"/>
+          <ac:picMkLst>
+            <pc:docMk/>
+            <pc:sldMk cId="1443433812" sldId="702"/>
+            <ac:picMk id="5" creationId="{AF552426-E32D-4518-847A-D90B5AEA3309}"/>
+          </ac:picMkLst>
+        </pc:picChg>
+        <pc:picChg chg="add del mod">
+          <ac:chgData name="臧 雷" userId="0d29c245861bfd9a" providerId="LiveId" clId="{7A4F95BA-2E7E-4C33-9514-95E88FDB2899}" dt="2019-07-06T14:25:51.205" v="6042" actId="478"/>
+          <ac:picMkLst>
+            <pc:docMk/>
+            <pc:sldMk cId="1443433812" sldId="702"/>
+            <ac:picMk id="6" creationId="{7AE3E90E-5257-45F5-B48E-3C9EA34CBD87}"/>
+          </ac:picMkLst>
+        </pc:picChg>
+        <pc:picChg chg="add mod">
+          <ac:chgData name="臧 雷" userId="0d29c245861bfd9a" providerId="LiveId" clId="{7A4F95BA-2E7E-4C33-9514-95E88FDB2899}" dt="2019-07-17T12:22:08.229" v="13669" actId="1076"/>
+          <ac:picMkLst>
+            <pc:docMk/>
+            <pc:sldMk cId="1443433812" sldId="702"/>
+            <ac:picMk id="7" creationId="{BB8A0792-5E7A-4890-A598-7D9476FB683C}"/>
+          </ac:picMkLst>
+        </pc:picChg>
+        <pc:picChg chg="del">
+          <ac:chgData name="臧 雷" userId="0d29c245861bfd9a" providerId="LiveId" clId="{7A4F95BA-2E7E-4C33-9514-95E88FDB2899}" dt="2019-07-06T14:14:41.579" v="5764" actId="478"/>
+          <ac:picMkLst>
+            <pc:docMk/>
+            <pc:sldMk cId="1443433812" sldId="702"/>
+            <ac:picMk id="8" creationId="{6EA19CB0-BE3A-4CC2-B4AD-195E435A30DC}"/>
+          </ac:picMkLst>
+        </pc:picChg>
+        <pc:picChg chg="add mod">
+          <ac:chgData name="臧 雷" userId="0d29c245861bfd9a" providerId="LiveId" clId="{7A4F95BA-2E7E-4C33-9514-95E88FDB2899}" dt="2019-07-17T12:22:14.388" v="13671" actId="1076"/>
+          <ac:picMkLst>
+            <pc:docMk/>
+            <pc:sldMk cId="1443433812" sldId="702"/>
+            <ac:picMk id="10" creationId="{B2B4FA61-BECD-45F5-A1AD-678DBEE4F75C}"/>
+          </ac:picMkLst>
+        </pc:picChg>
+      </pc:sldChg>
+      <pc:sldChg chg="addSp delSp modSp add">
+        <pc:chgData name="臧 雷" userId="0d29c245861bfd9a" providerId="LiveId" clId="{7A4F95BA-2E7E-4C33-9514-95E88FDB2899}" dt="2019-07-18T13:16:48" v="15039" actId="20577"/>
+        <pc:sldMkLst>
+          <pc:docMk/>
+          <pc:sldMk cId="1271143439" sldId="708"/>
+        </pc:sldMkLst>
+        <pc:spChg chg="mod">
+          <ac:chgData name="臧 雷" userId="0d29c245861bfd9a" providerId="LiveId" clId="{7A4F95BA-2E7E-4C33-9514-95E88FDB2899}" dt="2019-07-18T13:16:48" v="15039" actId="20577"/>
+          <ac:spMkLst>
+            <pc:docMk/>
+            <pc:sldMk cId="1271143439" sldId="708"/>
+            <ac:spMk id="9" creationId="{0198A065-0232-49A1-BE9F-F8870A7975A2}"/>
+          </ac:spMkLst>
+        </pc:spChg>
+        <pc:picChg chg="add del mod">
+          <ac:chgData name="臧 雷" userId="0d29c245861bfd9a" providerId="LiveId" clId="{7A4F95BA-2E7E-4C33-9514-95E88FDB2899}" dt="2019-07-17T12:22:53.207" v="13696" actId="478"/>
+          <ac:picMkLst>
+            <pc:docMk/>
+            <pc:sldMk cId="1271143439" sldId="708"/>
+            <ac:picMk id="3" creationId="{7CB9CB83-ED6A-4F24-A1A2-E2C1DCF109A2}"/>
+          </ac:picMkLst>
+        </pc:picChg>
+        <pc:picChg chg="del">
+          <ac:chgData name="臧 雷" userId="0d29c245861bfd9a" providerId="LiveId" clId="{7A4F95BA-2E7E-4C33-9514-95E88FDB2899}" dt="2019-07-06T14:29:35.202" v="6075" actId="478"/>
+          <ac:picMkLst>
+            <pc:docMk/>
+            <pc:sldMk cId="1271143439" sldId="708"/>
+            <ac:picMk id="7" creationId="{BB8A0792-5E7A-4890-A598-7D9476FB683C}"/>
+          </ac:picMkLst>
+        </pc:picChg>
+        <pc:picChg chg="del">
+          <ac:chgData name="臧 雷" userId="0d29c245861bfd9a" providerId="LiveId" clId="{7A4F95BA-2E7E-4C33-9514-95E88FDB2899}" dt="2019-07-06T14:29:36.362" v="6076" actId="478"/>
+          <ac:picMkLst>
+            <pc:docMk/>
+            <pc:sldMk cId="1271143439" sldId="708"/>
+            <ac:picMk id="10" creationId="{B2B4FA61-BECD-45F5-A1AD-678DBEE4F75C}"/>
+          </ac:picMkLst>
+        </pc:picChg>
+      </pc:sldChg>
+      <pc:sldChg chg="addSp delSp modSp add">
+        <pc:chgData name="臧 雷" userId="0d29c245861bfd9a" providerId="LiveId" clId="{7A4F95BA-2E7E-4C33-9514-95E88FDB2899}" dt="2019-07-17T12:24:17.898" v="13710" actId="14100"/>
+        <pc:sldMkLst>
+          <pc:docMk/>
+          <pc:sldMk cId="535845501" sldId="709"/>
+        </pc:sldMkLst>
+        <pc:spChg chg="add mod">
+          <ac:chgData name="臧 雷" userId="0d29c245861bfd9a" providerId="LiveId" clId="{7A4F95BA-2E7E-4C33-9514-95E88FDB2899}" dt="2019-07-17T12:23:59.178" v="13708" actId="14100"/>
+          <ac:spMkLst>
+            <pc:docMk/>
+            <pc:sldMk cId="535845501" sldId="709"/>
+            <ac:spMk id="6" creationId="{A89F07C9-0B30-4D8E-B720-6224E356D312}"/>
+          </ac:spMkLst>
+        </pc:spChg>
+        <pc:spChg chg="add mod">
+          <ac:chgData name="臧 雷" userId="0d29c245861bfd9a" providerId="LiveId" clId="{7A4F95BA-2E7E-4C33-9514-95E88FDB2899}" dt="2019-07-17T12:24:17.898" v="13710" actId="14100"/>
+          <ac:spMkLst>
+            <pc:docMk/>
+            <pc:sldMk cId="535845501" sldId="709"/>
+            <ac:spMk id="7" creationId="{2C6209BC-28B5-4CB4-A604-D6AE2B43BC91}"/>
+          </ac:spMkLst>
+        </pc:spChg>
+        <pc:spChg chg="mod">
+          <ac:chgData name="臧 雷" userId="0d29c245861bfd9a" providerId="LiveId" clId="{7A4F95BA-2E7E-4C33-9514-95E88FDB2899}" dt="2019-07-17T12:23:21.155" v="13699" actId="255"/>
+          <ac:spMkLst>
+            <pc:docMk/>
+            <pc:sldMk cId="535845501" sldId="709"/>
+            <ac:spMk id="9" creationId="{0198A065-0232-49A1-BE9F-F8870A7975A2}"/>
+          </ac:spMkLst>
+        </pc:spChg>
+        <pc:picChg chg="mod">
+          <ac:chgData name="臧 雷" userId="0d29c245861bfd9a" providerId="LiveId" clId="{7A4F95BA-2E7E-4C33-9514-95E88FDB2899}" dt="2019-07-17T12:23:49.976" v="13706" actId="1076"/>
+          <ac:picMkLst>
+            <pc:docMk/>
+            <pc:sldMk cId="535845501" sldId="709"/>
+            <ac:picMk id="3" creationId="{2498CBF1-177E-479F-ABD9-4F7C995FE207}"/>
+          </ac:picMkLst>
+        </pc:picChg>
+        <pc:picChg chg="add mod">
+          <ac:chgData name="臧 雷" userId="0d29c245861bfd9a" providerId="LiveId" clId="{7A4F95BA-2E7E-4C33-9514-95E88FDB2899}" dt="2019-07-17T12:23:44.088" v="13704" actId="1076"/>
+          <ac:picMkLst>
+            <pc:docMk/>
+            <pc:sldMk cId="535845501" sldId="709"/>
+            <ac:picMk id="4" creationId="{054930BD-3F26-458B-8E11-C869F46C8DD2}"/>
+          </ac:picMkLst>
+        </pc:picChg>
+        <pc:picChg chg="del">
+          <ac:chgData name="臧 雷" userId="0d29c245861bfd9a" providerId="LiveId" clId="{7A4F95BA-2E7E-4C33-9514-95E88FDB2899}" dt="2019-07-07T03:09:44.068" v="6648" actId="478"/>
+          <ac:picMkLst>
+            <pc:docMk/>
+            <pc:sldMk cId="535845501" sldId="709"/>
+            <ac:picMk id="10" creationId="{92C3C95E-7AD4-437E-AF42-1DE297AA33DA}"/>
+          </ac:picMkLst>
+        </pc:picChg>
+        <pc:picChg chg="del">
+          <ac:chgData name="臧 雷" userId="0d29c245861bfd9a" providerId="LiveId" clId="{7A4F95BA-2E7E-4C33-9514-95E88FDB2899}" dt="2019-07-07T03:09:44.833" v="6649" actId="478"/>
+          <ac:picMkLst>
+            <pc:docMk/>
+            <pc:sldMk cId="535845501" sldId="709"/>
+            <ac:picMk id="11" creationId="{CAB6CA67-C90C-4DB4-9F17-317CFFB16A9B}"/>
+          </ac:picMkLst>
+        </pc:picChg>
+      </pc:sldChg>
+      <pc:sldChg chg="addSp delSp modSp add">
+        <pc:chgData name="臧 雷" userId="0d29c245861bfd9a" providerId="LiveId" clId="{7A4F95BA-2E7E-4C33-9514-95E88FDB2899}" dt="2019-07-17T12:25:21.183" v="13721" actId="14100"/>
+        <pc:sldMkLst>
+          <pc:docMk/>
+          <pc:sldMk cId="888521362" sldId="710"/>
+        </pc:sldMkLst>
+        <pc:spChg chg="add mod">
+          <ac:chgData name="臧 雷" userId="0d29c245861bfd9a" providerId="LiveId" clId="{7A4F95BA-2E7E-4C33-9514-95E88FDB2899}" dt="2019-07-17T12:25:01.969" v="13719" actId="14100"/>
+          <ac:spMkLst>
+            <pc:docMk/>
+            <pc:sldMk cId="888521362" sldId="710"/>
+            <ac:spMk id="6" creationId="{75672B71-26C0-4EAD-9E48-A1E2CE569784}"/>
+          </ac:spMkLst>
+        </pc:spChg>
+        <pc:spChg chg="add mod">
+          <ac:chgData name="臧 雷" userId="0d29c245861bfd9a" providerId="LiveId" clId="{7A4F95BA-2E7E-4C33-9514-95E88FDB2899}" dt="2019-07-17T12:25:21.183" v="13721" actId="14100"/>
+          <ac:spMkLst>
+            <pc:docMk/>
+            <pc:sldMk cId="888521362" sldId="710"/>
+            <ac:spMk id="7" creationId="{D71C2BE4-CC32-401C-9366-1AC88F3547AD}"/>
+          </ac:spMkLst>
+        </pc:spChg>
+        <pc:spChg chg="mod">
+          <ac:chgData name="臧 雷" userId="0d29c245861bfd9a" providerId="LiveId" clId="{7A4F95BA-2E7E-4C33-9514-95E88FDB2899}" dt="2019-07-17T12:24:31.858" v="13711" actId="255"/>
+          <ac:spMkLst>
+            <pc:docMk/>
+            <pc:sldMk cId="888521362" sldId="710"/>
+            <ac:spMk id="9" creationId="{0198A065-0232-49A1-BE9F-F8870A7975A2}"/>
+          </ac:spMkLst>
+        </pc:spChg>
+        <pc:picChg chg="add mod">
+          <ac:chgData name="臧 雷" userId="0d29c245861bfd9a" providerId="LiveId" clId="{7A4F95BA-2E7E-4C33-9514-95E88FDB2899}" dt="2019-07-17T12:24:47.059" v="13717" actId="1076"/>
+          <ac:picMkLst>
+            <pc:docMk/>
+            <pc:sldMk cId="888521362" sldId="710"/>
+            <ac:picMk id="3" creationId="{B20A8BDD-A43D-49C1-89B4-37D3B6177110}"/>
+          </ac:picMkLst>
+        </pc:picChg>
+        <pc:picChg chg="mod">
+          <ac:chgData name="臧 雷" userId="0d29c245861bfd9a" providerId="LiveId" clId="{7A4F95BA-2E7E-4C33-9514-95E88FDB2899}" dt="2019-07-17T12:24:38.906" v="13714" actId="1076"/>
+          <ac:picMkLst>
+            <pc:docMk/>
+            <pc:sldMk cId="888521362" sldId="710"/>
+            <ac:picMk id="5" creationId="{EE8ECB36-4895-42B6-8F99-F15CF822BEDD}"/>
+          </ac:picMkLst>
+        </pc:picChg>
+        <pc:picChg chg="del">
+          <ac:chgData name="臧 雷" userId="0d29c245861bfd9a" providerId="LiveId" clId="{7A4F95BA-2E7E-4C33-9514-95E88FDB2899}" dt="2019-07-07T03:11:53.077" v="6662" actId="478"/>
+          <ac:picMkLst>
+            <pc:docMk/>
+            <pc:sldMk cId="888521362" sldId="710"/>
+            <ac:picMk id="6" creationId="{49AC136C-AA7E-4FEB-98A0-39B98A84F65A}"/>
+          </ac:picMkLst>
+        </pc:picChg>
+        <pc:picChg chg="del">
+          <ac:chgData name="臧 雷" userId="0d29c245861bfd9a" providerId="LiveId" clId="{7A4F95BA-2E7E-4C33-9514-95E88FDB2899}" dt="2019-07-07T03:11:55.043" v="6663" actId="478"/>
+          <ac:picMkLst>
+            <pc:docMk/>
+            <pc:sldMk cId="888521362" sldId="710"/>
+            <ac:picMk id="7" creationId="{ECB0733D-7BC8-4A62-AAC8-7B278ED769B8}"/>
+          </ac:picMkLst>
+        </pc:picChg>
+      </pc:sldChg>
+      <pc:sldChg chg="addSp delSp modSp add">
+        <pc:chgData name="臧 雷" userId="0d29c245861bfd9a" providerId="LiveId" clId="{7A4F95BA-2E7E-4C33-9514-95E88FDB2899}" dt="2019-07-17T12:26:23.914" v="13734" actId="14100"/>
+        <pc:sldMkLst>
+          <pc:docMk/>
+          <pc:sldMk cId="1781636972" sldId="711"/>
+        </pc:sldMkLst>
+        <pc:spChg chg="add mod">
+          <ac:chgData name="臧 雷" userId="0d29c245861bfd9a" providerId="LiveId" clId="{7A4F95BA-2E7E-4C33-9514-95E88FDB2899}" dt="2019-07-17T12:26:08.434" v="13730" actId="14100"/>
+          <ac:spMkLst>
+            <pc:docMk/>
+            <pc:sldMk cId="1781636972" sldId="711"/>
+            <ac:spMk id="6" creationId="{2C37F71D-5D04-473E-845E-DE80BACB0285}"/>
+          </ac:spMkLst>
+        </pc:spChg>
+        <pc:spChg chg="add mod">
+          <ac:chgData name="臧 雷" userId="0d29c245861bfd9a" providerId="LiveId" clId="{7A4F95BA-2E7E-4C33-9514-95E88FDB2899}" dt="2019-07-17T12:26:23.914" v="13734" actId="14100"/>
+          <ac:spMkLst>
+            <pc:docMk/>
+            <pc:sldMk cId="1781636972" sldId="711"/>
+            <ac:spMk id="7" creationId="{660C5796-EEA4-4195-A43B-A3B4D8CA57FC}"/>
+          </ac:spMkLst>
+        </pc:spChg>
+        <pc:spChg chg="mod">
+          <ac:chgData name="臧 雷" userId="0d29c245861bfd9a" providerId="LiveId" clId="{7A4F95BA-2E7E-4C33-9514-95E88FDB2899}" dt="2019-07-17T12:25:32.586" v="13722" actId="255"/>
+          <ac:spMkLst>
+            <pc:docMk/>
+            <pc:sldMk cId="1781636972" sldId="711"/>
+            <ac:spMk id="9" creationId="{0198A065-0232-49A1-BE9F-F8870A7975A2}"/>
+          </ac:spMkLst>
+        </pc:spChg>
+        <pc:picChg chg="del">
+          <ac:chgData name="臧 雷" userId="0d29c245861bfd9a" providerId="LiveId" clId="{7A4F95BA-2E7E-4C33-9514-95E88FDB2899}" dt="2019-07-07T03:13:19.242" v="6670" actId="478"/>
+          <ac:picMkLst>
+            <pc:docMk/>
+            <pc:sldMk cId="1781636972" sldId="711"/>
+            <ac:picMk id="3" creationId="{9E03F47C-2B67-41C5-BA6B-6E122E17E251}"/>
+          </ac:picMkLst>
+        </pc:picChg>
+        <pc:picChg chg="mod">
+          <ac:chgData name="臧 雷" userId="0d29c245861bfd9a" providerId="LiveId" clId="{7A4F95BA-2E7E-4C33-9514-95E88FDB2899}" dt="2019-07-17T12:25:44.066" v="13725" actId="1076"/>
+          <ac:picMkLst>
+            <pc:docMk/>
+            <pc:sldMk cId="1781636972" sldId="711"/>
+            <ac:picMk id="4" creationId="{E84D18BC-1E3D-461F-9690-9653BA2E76E6}"/>
+          </ac:picMkLst>
+        </pc:picChg>
+        <pc:picChg chg="add mod">
+          <ac:chgData name="臧 雷" userId="0d29c245861bfd9a" providerId="LiveId" clId="{7A4F95BA-2E7E-4C33-9514-95E88FDB2899}" dt="2019-07-17T12:25:53.674" v="13728" actId="1076"/>
+          <ac:picMkLst>
+            <pc:docMk/>
+            <pc:sldMk cId="1781636972" sldId="711"/>
+            <ac:picMk id="5" creationId="{C0436C3B-5451-44E5-A813-C7A5414AEE22}"/>
+          </ac:picMkLst>
+        </pc:picChg>
+        <pc:picChg chg="del">
+          <ac:chgData name="臧 雷" userId="0d29c245861bfd9a" providerId="LiveId" clId="{7A4F95BA-2E7E-4C33-9514-95E88FDB2899}" dt="2019-07-07T03:13:21.491" v="6671" actId="478"/>
+          <ac:picMkLst>
+            <pc:docMk/>
+            <pc:sldMk cId="1781636972" sldId="711"/>
+            <ac:picMk id="8" creationId="{3C1889DC-CBD0-43BA-8536-4138AE7AB80A}"/>
+          </ac:picMkLst>
+        </pc:picChg>
+      </pc:sldChg>
+      <pc:sldChg chg="addSp delSp modSp add">
+        <pc:chgData name="臧 雷" userId="0d29c245861bfd9a" providerId="LiveId" clId="{7A4F95BA-2E7E-4C33-9514-95E88FDB2899}" dt="2019-07-17T12:27:13.325" v="13742" actId="14100"/>
+        <pc:sldMkLst>
+          <pc:docMk/>
+          <pc:sldMk cId="4243025836" sldId="712"/>
+        </pc:sldMkLst>
+        <pc:spChg chg="add mod">
+          <ac:chgData name="臧 雷" userId="0d29c245861bfd9a" providerId="LiveId" clId="{7A4F95BA-2E7E-4C33-9514-95E88FDB2899}" dt="2019-07-17T12:27:05.907" v="13740" actId="14100"/>
+          <ac:spMkLst>
+            <pc:docMk/>
+            <pc:sldMk cId="4243025836" sldId="712"/>
+            <ac:spMk id="6" creationId="{446DB4DA-D1B0-42A4-96B8-91176F79B308}"/>
+          </ac:spMkLst>
+        </pc:spChg>
+        <pc:spChg chg="add mod">
+          <ac:chgData name="臧 雷" userId="0d29c245861bfd9a" providerId="LiveId" clId="{7A4F95BA-2E7E-4C33-9514-95E88FDB2899}" dt="2019-07-17T12:27:13.325" v="13742" actId="14100"/>
+          <ac:spMkLst>
+            <pc:docMk/>
+            <pc:sldMk cId="4243025836" sldId="712"/>
+            <ac:spMk id="7" creationId="{8F75225B-6809-447A-9F3A-788F1372AA8A}"/>
+          </ac:spMkLst>
+        </pc:spChg>
+        <pc:spChg chg="mod">
+          <ac:chgData name="臧 雷" userId="0d29c245861bfd9a" providerId="LiveId" clId="{7A4F95BA-2E7E-4C33-9514-95E88FDB2899}" dt="2019-07-17T12:26:36.305" v="13735" actId="255"/>
+          <ac:spMkLst>
+            <pc:docMk/>
+            <pc:sldMk cId="4243025836" sldId="712"/>
+            <ac:spMk id="9" creationId="{0198A065-0232-49A1-BE9F-F8870A7975A2}"/>
+          </ac:spMkLst>
+        </pc:spChg>
+        <pc:picChg chg="add mod">
+          <ac:chgData name="臧 雷" userId="0d29c245861bfd9a" providerId="LiveId" clId="{7A4F95BA-2E7E-4C33-9514-95E88FDB2899}" dt="2019-07-17T12:26:45.168" v="13738" actId="1076"/>
+          <ac:picMkLst>
+            <pc:docMk/>
+            <pc:sldMk cId="4243025836" sldId="712"/>
+            <ac:picMk id="3" creationId="{6AA724CE-C848-4A18-A4AB-1AF450456ED1}"/>
+          </ac:picMkLst>
+        </pc:picChg>
+        <pc:picChg chg="del">
+          <ac:chgData name="臧 雷" userId="0d29c245861bfd9a" providerId="LiveId" clId="{7A4F95BA-2E7E-4C33-9514-95E88FDB2899}" dt="2019-07-07T03:14:44.425" v="6678" actId="478"/>
+          <ac:picMkLst>
+            <pc:docMk/>
+            <pc:sldMk cId="4243025836" sldId="712"/>
+            <ac:picMk id="6" creationId="{9CD40721-3799-4AA3-9C38-ACF2BB0CD803}"/>
+          </ac:picMkLst>
+        </pc:picChg>
+        <pc:picChg chg="del">
+          <ac:chgData name="臧 雷" userId="0d29c245861bfd9a" providerId="LiveId" clId="{7A4F95BA-2E7E-4C33-9514-95E88FDB2899}" dt="2019-07-07T03:14:46.303" v="6679" actId="478"/>
+          <ac:picMkLst>
+            <pc:docMk/>
+            <pc:sldMk cId="4243025836" sldId="712"/>
+            <ac:picMk id="7" creationId="{27E4F20B-6502-4123-9A37-F4147F7B19D7}"/>
+          </ac:picMkLst>
+        </pc:picChg>
+      </pc:sldChg>
+      <pc:sldChg chg="modSp add">
+        <pc:chgData name="臧 雷" userId="0d29c245861bfd9a" providerId="LiveId" clId="{7A4F95BA-2E7E-4C33-9514-95E88FDB2899}" dt="2019-07-17T12:27:25.658" v="13743" actId="255"/>
+        <pc:sldMkLst>
+          <pc:docMk/>
+          <pc:sldMk cId="2917967061" sldId="713"/>
+        </pc:sldMkLst>
+        <pc:spChg chg="mod">
+          <ac:chgData name="臧 雷" userId="0d29c245861bfd9a" providerId="LiveId" clId="{7A4F95BA-2E7E-4C33-9514-95E88FDB2899}" dt="2019-07-17T12:27:25.658" v="13743" actId="255"/>
+          <ac:spMkLst>
+            <pc:docMk/>
+            <pc:sldMk cId="2917967061" sldId="713"/>
+            <ac:spMk id="9" creationId="{0198A065-0232-49A1-BE9F-F8870A7975A2}"/>
+          </ac:spMkLst>
+        </pc:spChg>
+      </pc:sldChg>
+      <pc:sldChg chg="addSp delSp modSp add">
+        <pc:chgData name="臧 雷" userId="0d29c245861bfd9a" providerId="LiveId" clId="{7A4F95BA-2E7E-4C33-9514-95E88FDB2899}" dt="2019-07-17T12:27:35.061" v="13744" actId="255"/>
+        <pc:sldMkLst>
+          <pc:docMk/>
+          <pc:sldMk cId="710878781" sldId="714"/>
+        </pc:sldMkLst>
+        <pc:spChg chg="mod">
+          <ac:chgData name="臧 雷" userId="0d29c245861bfd9a" providerId="LiveId" clId="{7A4F95BA-2E7E-4C33-9514-95E88FDB2899}" dt="2019-07-07T03:19:32.437" v="7090"/>
+          <ac:spMkLst>
+            <pc:docMk/>
+            <pc:sldMk cId="710878781" sldId="714"/>
+            <ac:spMk id="2" creationId="{00000000-0000-0000-0000-000000000000}"/>
+          </ac:spMkLst>
+        </pc:spChg>
+        <pc:spChg chg="mod">
+          <ac:chgData name="臧 雷" userId="0d29c245861bfd9a" providerId="LiveId" clId="{7A4F95BA-2E7E-4C33-9514-95E88FDB2899}" dt="2019-07-17T12:27:35.061" v="13744" actId="255"/>
+          <ac:spMkLst>
+            <pc:docMk/>
+            <pc:sldMk cId="710878781" sldId="714"/>
+            <ac:spMk id="9" creationId="{0198A065-0232-49A1-BE9F-F8870A7975A2}"/>
+          </ac:spMkLst>
+        </pc:spChg>
+        <pc:picChg chg="add del mod">
+          <ac:chgData name="臧 雷" userId="0d29c245861bfd9a" providerId="LiveId" clId="{7A4F95BA-2E7E-4C33-9514-95E88FDB2899}" dt="2019-07-07T03:36:00.914" v="7512" actId="478"/>
+          <ac:picMkLst>
+            <pc:docMk/>
+            <pc:sldMk cId="710878781" sldId="714"/>
+            <ac:picMk id="3" creationId="{D1AD6D3B-E541-4E61-A27E-18882DB37BF3}"/>
+          </ac:picMkLst>
+        </pc:picChg>
+        <pc:picChg chg="add del mod">
+          <ac:chgData name="臧 雷" userId="0d29c245861bfd9a" providerId="LiveId" clId="{7A4F95BA-2E7E-4C33-9514-95E88FDB2899}" dt="2019-07-07T03:49:16.606" v="7677" actId="478"/>
+          <ac:picMkLst>
+            <pc:docMk/>
+            <pc:sldMk cId="710878781" sldId="714"/>
+            <ac:picMk id="4" creationId="{DC14080F-7702-416C-ABB0-762BB20C9DC6}"/>
+          </ac:picMkLst>
+        </pc:picChg>
+      </pc:sldChg>
+      <pc:sldChg chg="addSp modSp add">
+        <pc:chgData name="臧 雷" userId="0d29c245861bfd9a" providerId="LiveId" clId="{7A4F95BA-2E7E-4C33-9514-95E88FDB2899}" dt="2019-07-17T12:28:22.595" v="13753" actId="1076"/>
+        <pc:sldMkLst>
+          <pc:docMk/>
+          <pc:sldMk cId="2356749534" sldId="715"/>
+        </pc:sldMkLst>
+        <pc:spChg chg="mod">
+          <ac:chgData name="臧 雷" userId="0d29c245861bfd9a" providerId="LiveId" clId="{7A4F95BA-2E7E-4C33-9514-95E88FDB2899}" dt="2019-07-17T12:28:10.290" v="13750" actId="255"/>
+          <ac:spMkLst>
+            <pc:docMk/>
+            <pc:sldMk cId="2356749534" sldId="715"/>
+            <ac:spMk id="9" creationId="{0198A065-0232-49A1-BE9F-F8870A7975A2}"/>
+          </ac:spMkLst>
+        </pc:spChg>
+        <pc:picChg chg="add mod">
+          <ac:chgData name="臧 雷" userId="0d29c245861bfd9a" providerId="LiveId" clId="{7A4F95BA-2E7E-4C33-9514-95E88FDB2899}" dt="2019-07-17T12:28:22.595" v="13753" actId="1076"/>
+          <ac:picMkLst>
+            <pc:docMk/>
+            <pc:sldMk cId="2356749534" sldId="715"/>
+            <ac:picMk id="3" creationId="{8BADD26B-316B-45CC-8AB0-0D0DA0986399}"/>
+          </ac:picMkLst>
+        </pc:picChg>
+      </pc:sldChg>
+      <pc:sldChg chg="addSp modSp add">
+        <pc:chgData name="臧 雷" userId="0d29c245861bfd9a" providerId="LiveId" clId="{7A4F95BA-2E7E-4C33-9514-95E88FDB2899}" dt="2019-07-17T12:27:57.395" v="13749" actId="1076"/>
+        <pc:sldMkLst>
+          <pc:docMk/>
+          <pc:sldMk cId="1555996309" sldId="716"/>
+        </pc:sldMkLst>
+        <pc:spChg chg="add mod">
+          <ac:chgData name="臧 雷" userId="0d29c245861bfd9a" providerId="LiveId" clId="{7A4F95BA-2E7E-4C33-9514-95E88FDB2899}" dt="2019-07-17T12:27:57.395" v="13749" actId="1076"/>
+          <ac:spMkLst>
+            <pc:docMk/>
+            <pc:sldMk cId="1555996309" sldId="716"/>
+            <ac:spMk id="5" creationId="{74828C0B-1748-45B0-9244-4485827054AE}"/>
+          </ac:spMkLst>
+        </pc:spChg>
+        <pc:spChg chg="mod">
+          <ac:chgData name="臧 雷" userId="0d29c245861bfd9a" providerId="LiveId" clId="{7A4F95BA-2E7E-4C33-9514-95E88FDB2899}" dt="2019-07-17T12:27:47.772" v="13747" actId="255"/>
+          <ac:spMkLst>
+            <pc:docMk/>
+            <pc:sldMk cId="1555996309" sldId="716"/>
+            <ac:spMk id="9" creationId="{0198A065-0232-49A1-BE9F-F8870A7975A2}"/>
+          </ac:spMkLst>
+        </pc:spChg>
+        <pc:picChg chg="mod">
+          <ac:chgData name="臧 雷" userId="0d29c245861bfd9a" providerId="LiveId" clId="{7A4F95BA-2E7E-4C33-9514-95E88FDB2899}" dt="2019-07-17T12:27:51.649" v="13748" actId="1076"/>
+          <ac:picMkLst>
+            <pc:docMk/>
+            <pc:sldMk cId="1555996309" sldId="716"/>
+            <ac:picMk id="4" creationId="{DC14080F-7702-416C-ABB0-762BB20C9DC6}"/>
+          </ac:picMkLst>
+        </pc:picChg>
+      </pc:sldChg>
+      <pc:sldChg chg="delSp modSp add">
+        <pc:chgData name="臧 雷" userId="0d29c245861bfd9a" providerId="LiveId" clId="{7A4F95BA-2E7E-4C33-9514-95E88FDB2899}" dt="2019-07-18T12:59:57.469" v="15011"/>
+        <pc:sldMkLst>
+          <pc:docMk/>
+          <pc:sldMk cId="1466121758" sldId="718"/>
+        </pc:sldMkLst>
+        <pc:spChg chg="mod">
+          <ac:chgData name="臧 雷" userId="0d29c245861bfd9a" providerId="LiveId" clId="{7A4F95BA-2E7E-4C33-9514-95E88FDB2899}" dt="2019-07-18T12:59:57.469" v="15011"/>
+          <ac:spMkLst>
+            <pc:docMk/>
+            <pc:sldMk cId="1466121758" sldId="718"/>
+            <ac:spMk id="9" creationId="{0198A065-0232-49A1-BE9F-F8870A7975A2}"/>
+          </ac:spMkLst>
+        </pc:spChg>
+        <pc:picChg chg="del">
+          <ac:chgData name="臧 雷" userId="0d29c245861bfd9a" providerId="LiveId" clId="{7A4F95BA-2E7E-4C33-9514-95E88FDB2899}" dt="2019-07-07T08:37:01.503" v="7989" actId="478"/>
+          <ac:picMkLst>
+            <pc:docMk/>
+            <pc:sldMk cId="1466121758" sldId="718"/>
+            <ac:picMk id="3" creationId="{8BADD26B-316B-45CC-8AB0-0D0DA0986399}"/>
+          </ac:picMkLst>
+        </pc:picChg>
+      </pc:sldChg>
+      <pc:sldChg chg="addSp delSp modSp add">
+        <pc:chgData name="臧 雷" userId="0d29c245861bfd9a" providerId="LiveId" clId="{7A4F95BA-2E7E-4C33-9514-95E88FDB2899}" dt="2019-07-17T12:28:55.665" v="13757" actId="255"/>
+        <pc:sldMkLst>
+          <pc:docMk/>
+          <pc:sldMk cId="684515269" sldId="719"/>
+        </pc:sldMkLst>
+        <pc:spChg chg="add mod">
+          <ac:chgData name="臧 雷" userId="0d29c245861bfd9a" providerId="LiveId" clId="{7A4F95BA-2E7E-4C33-9514-95E88FDB2899}" dt="2019-07-11T15:26:48.788" v="10855" actId="1076"/>
+          <ac:spMkLst>
+            <pc:docMk/>
+            <pc:sldMk cId="684515269" sldId="719"/>
+            <ac:spMk id="6" creationId="{9F9581D7-46E1-4E61-B9DB-FF6CC32CEA32}"/>
+          </ac:spMkLst>
+        </pc:spChg>
+        <pc:spChg chg="add mod">
+          <ac:chgData name="臧 雷" userId="0d29c245861bfd9a" providerId="LiveId" clId="{7A4F95BA-2E7E-4C33-9514-95E88FDB2899}" dt="2019-07-11T15:26:54.075" v="10856" actId="1076"/>
+          <ac:spMkLst>
+            <pc:docMk/>
+            <pc:sldMk cId="684515269" sldId="719"/>
+            <ac:spMk id="7" creationId="{0544CD31-8C1F-4E76-8719-20013FBF99E8}"/>
+          </ac:spMkLst>
+        </pc:spChg>
+        <pc:spChg chg="add mod">
+          <ac:chgData name="臧 雷" userId="0d29c245861bfd9a" providerId="LiveId" clId="{7A4F95BA-2E7E-4C33-9514-95E88FDB2899}" dt="2019-07-17T12:28:55.665" v="13757" actId="255"/>
+          <ac:spMkLst>
+            <pc:docMk/>
+            <pc:sldMk cId="684515269" sldId="719"/>
+            <ac:spMk id="8" creationId="{E2A0DF98-3CDC-457E-8CCB-8FC9F13E9195}"/>
+          </ac:spMkLst>
+        </pc:spChg>
+        <pc:spChg chg="mod">
+          <ac:chgData name="臧 雷" userId="0d29c245861bfd9a" providerId="LiveId" clId="{7A4F95BA-2E7E-4C33-9514-95E88FDB2899}" dt="2019-07-17T12:28:50.555" v="13756" actId="255"/>
+          <ac:spMkLst>
+            <pc:docMk/>
+            <pc:sldMk cId="684515269" sldId="719"/>
+            <ac:spMk id="9" creationId="{0198A065-0232-49A1-BE9F-F8870A7975A2}"/>
+          </ac:spMkLst>
+        </pc:spChg>
+        <pc:picChg chg="add del mod">
+          <ac:chgData name="臧 雷" userId="0d29c245861bfd9a" providerId="LiveId" clId="{7A4F95BA-2E7E-4C33-9514-95E88FDB2899}" dt="2019-07-07T08:41:44.327" v="8228" actId="478"/>
+          <ac:picMkLst>
+            <pc:docMk/>
+            <pc:sldMk cId="684515269" sldId="719"/>
+            <ac:picMk id="3" creationId="{AA44C3F8-3BDD-497A-9568-890C89A63877}"/>
+          </ac:picMkLst>
+        </pc:picChg>
+        <pc:picChg chg="del">
+          <ac:chgData name="臧 雷" userId="0d29c245861bfd9a" providerId="LiveId" clId="{7A4F95BA-2E7E-4C33-9514-95E88FDB2899}" dt="2019-07-07T08:40:34.606" v="8214" actId="478"/>
+          <ac:picMkLst>
+            <pc:docMk/>
+            <pc:sldMk cId="684515269" sldId="719"/>
+            <ac:picMk id="4" creationId="{DC14080F-7702-416C-ABB0-762BB20C9DC6}"/>
+          </ac:picMkLst>
+        </pc:picChg>
+        <pc:picChg chg="add mod">
+          <ac:chgData name="臧 雷" userId="0d29c245861bfd9a" providerId="LiveId" clId="{7A4F95BA-2E7E-4C33-9514-95E88FDB2899}" dt="2019-07-11T15:26:16.103" v="10853" actId="1076"/>
+          <ac:picMkLst>
+            <pc:docMk/>
+            <pc:sldMk cId="684515269" sldId="719"/>
+            <ac:picMk id="5" creationId="{7843EE20-F3B0-4F70-8266-C521E7E91E92}"/>
+          </ac:picMkLst>
+        </pc:picChg>
+      </pc:sldChg>
+      <pc:sldChg chg="addSp delSp modSp add">
+        <pc:chgData name="臧 雷" userId="0d29c245861bfd9a" providerId="LiveId" clId="{7A4F95BA-2E7E-4C33-9514-95E88FDB2899}" dt="2019-07-17T12:29:40.226" v="13765" actId="14100"/>
+        <pc:sldMkLst>
+          <pc:docMk/>
+          <pc:sldMk cId="1089252857" sldId="720"/>
+        </pc:sldMkLst>
+        <pc:spChg chg="add mod">
+          <ac:chgData name="臧 雷" userId="0d29c245861bfd9a" providerId="LiveId" clId="{7A4F95BA-2E7E-4C33-9514-95E88FDB2899}" dt="2019-07-17T12:29:40.226" v="13765" actId="14100"/>
+          <ac:spMkLst>
+            <pc:docMk/>
+            <pc:sldMk cId="1089252857" sldId="720"/>
+            <ac:spMk id="5" creationId="{378CAA95-2B8A-4622-8EB9-DD1FAE7BAE75}"/>
+          </ac:spMkLst>
+        </pc:spChg>
+        <pc:spChg chg="add mod">
+          <ac:chgData name="臧 雷" userId="0d29c245861bfd9a" providerId="LiveId" clId="{7A4F95BA-2E7E-4C33-9514-95E88FDB2899}" dt="2019-07-17T12:29:25.002" v="13762" actId="14100"/>
+          <ac:spMkLst>
+            <pc:docMk/>
+            <pc:sldMk cId="1089252857" sldId="720"/>
+            <ac:spMk id="6" creationId="{11393C37-2580-45A7-8972-A16F93A1C321}"/>
+          </ac:spMkLst>
+        </pc:spChg>
+        <pc:spChg chg="mod">
+          <ac:chgData name="臧 雷" userId="0d29c245861bfd9a" providerId="LiveId" clId="{7A4F95BA-2E7E-4C33-9514-95E88FDB2899}" dt="2019-07-17T12:29:05.737" v="13758" actId="255"/>
+          <ac:spMkLst>
+            <pc:docMk/>
+            <pc:sldMk cId="1089252857" sldId="720"/>
+            <ac:spMk id="9" creationId="{0198A065-0232-49A1-BE9F-F8870A7975A2}"/>
+          </ac:spMkLst>
+        </pc:spChg>
+        <pc:picChg chg="add mod">
+          <ac:chgData name="臧 雷" userId="0d29c245861bfd9a" providerId="LiveId" clId="{7A4F95BA-2E7E-4C33-9514-95E88FDB2899}" dt="2019-07-17T12:29:31.384" v="13763" actId="1076"/>
+          <ac:picMkLst>
+            <pc:docMk/>
+            <pc:sldMk cId="1089252857" sldId="720"/>
+            <ac:picMk id="3" creationId="{2E147EF8-783C-4DEE-B20C-FE5826A2BC53}"/>
+          </ac:picMkLst>
+        </pc:picChg>
+        <pc:picChg chg="del">
+          <ac:chgData name="臧 雷" userId="0d29c245861bfd9a" providerId="LiveId" clId="{7A4F95BA-2E7E-4C33-9514-95E88FDB2899}" dt="2019-07-07T08:43:00.072" v="8314" actId="478"/>
+          <ac:picMkLst>
+            <pc:docMk/>
+            <pc:sldMk cId="1089252857" sldId="720"/>
+            <ac:picMk id="5" creationId="{7843EE20-F3B0-4F70-8266-C521E7E91E92}"/>
+          </ac:picMkLst>
+        </pc:picChg>
+      </pc:sldChg>
+      <pc:sldChg chg="addSp delSp modSp add">
+        <pc:chgData name="臧 雷" userId="0d29c245861bfd9a" providerId="LiveId" clId="{7A4F95BA-2E7E-4C33-9514-95E88FDB2899}" dt="2019-07-17T12:29:53.307" v="13767" actId="1076"/>
+        <pc:sldMkLst>
+          <pc:docMk/>
+          <pc:sldMk cId="1889477015" sldId="721"/>
+        </pc:sldMkLst>
+        <pc:spChg chg="mod">
+          <ac:chgData name="臧 雷" userId="0d29c245861bfd9a" providerId="LiveId" clId="{7A4F95BA-2E7E-4C33-9514-95E88FDB2899}" dt="2019-07-17T12:29:53.307" v="13767" actId="1076"/>
+          <ac:spMkLst>
+            <pc:docMk/>
+            <pc:sldMk cId="1889477015" sldId="721"/>
+            <ac:spMk id="9" creationId="{0198A065-0232-49A1-BE9F-F8870A7975A2}"/>
+          </ac:spMkLst>
+        </pc:spChg>
+        <pc:picChg chg="del">
+          <ac:chgData name="臧 雷" userId="0d29c245861bfd9a" providerId="LiveId" clId="{7A4F95BA-2E7E-4C33-9514-95E88FDB2899}" dt="2019-07-07T08:44:07.008" v="8339" actId="478"/>
+          <ac:picMkLst>
+            <pc:docMk/>
+            <pc:sldMk cId="1889477015" sldId="721"/>
+            <ac:picMk id="3" creationId="{2E147EF8-783C-4DEE-B20C-FE5826A2BC53}"/>
+          </ac:picMkLst>
+        </pc:picChg>
+        <pc:picChg chg="add mod">
+          <ac:chgData name="臧 雷" userId="0d29c245861bfd9a" providerId="LiveId" clId="{7A4F95BA-2E7E-4C33-9514-95E88FDB2899}" dt="2019-07-07T08:45:01.258" v="8344" actId="1076"/>
+          <ac:picMkLst>
+            <pc:docMk/>
+            <pc:sldMk cId="1889477015" sldId="721"/>
+            <ac:picMk id="5" creationId="{69C1B42D-90E8-4F9E-96CD-B3B2FFBC80F7}"/>
+          </ac:picMkLst>
+        </pc:picChg>
+      </pc:sldChg>
+      <pc:sldChg chg="modSp add setBg">
+        <pc:chgData name="臧 雷" userId="0d29c245861bfd9a" providerId="LiveId" clId="{7A4F95BA-2E7E-4C33-9514-95E88FDB2899}" dt="2019-07-19T01:25:13.993" v="15098"/>
+        <pc:sldMkLst>
+          <pc:docMk/>
+          <pc:sldMk cId="2039675829" sldId="722"/>
+        </pc:sldMkLst>
+        <pc:spChg chg="mod">
+          <ac:chgData name="臧 雷" userId="0d29c245861bfd9a" providerId="LiveId" clId="{7A4F95BA-2E7E-4C33-9514-95E88FDB2899}" dt="2019-07-19T01:25:13.993" v="15098"/>
+          <ac:spMkLst>
+            <pc:docMk/>
+            <pc:sldMk cId="2039675829" sldId="722"/>
+            <ac:spMk id="8" creationId="{F12D1702-A796-409D-A677-0CA0DE389277}"/>
+          </ac:spMkLst>
+        </pc:spChg>
+      </pc:sldChg>
+      <pc:sldChg chg="modSp add setBg">
+        <pc:chgData name="臧 雷" userId="0d29c245861bfd9a" providerId="LiveId" clId="{7A4F95BA-2E7E-4C33-9514-95E88FDB2899}" dt="2019-07-19T03:40:27.521" v="15130"/>
+        <pc:sldMkLst>
+          <pc:docMk/>
+          <pc:sldMk cId="831192791" sldId="723"/>
+        </pc:sldMkLst>
+        <pc:spChg chg="mod">
+          <ac:chgData name="臧 雷" userId="0d29c245861bfd9a" providerId="LiveId" clId="{7A4F95BA-2E7E-4C33-9514-95E88FDB2899}" dt="2019-07-17T09:16:00.499" v="11513" actId="20577"/>
+          <ac:spMkLst>
+            <pc:docMk/>
+            <pc:sldMk cId="831192791" sldId="723"/>
+            <ac:spMk id="2" creationId="{00000000-0000-0000-0000-000000000000}"/>
+          </ac:spMkLst>
+        </pc:spChg>
+        <pc:spChg chg="mod">
+          <ac:chgData name="臧 雷" userId="0d29c245861bfd9a" providerId="LiveId" clId="{7A4F95BA-2E7E-4C33-9514-95E88FDB2899}" dt="2019-07-19T03:40:27.521" v="15130"/>
+          <ac:spMkLst>
+            <pc:docMk/>
+            <pc:sldMk cId="831192791" sldId="723"/>
+            <ac:spMk id="8" creationId="{F12D1702-A796-409D-A677-0CA0DE389277}"/>
+          </ac:spMkLst>
+        </pc:spChg>
+      </pc:sldChg>
+      <pc:sldChg chg="addSp delSp modSp add">
+        <pc:chgData name="臧 雷" userId="0d29c245861bfd9a" providerId="LiveId" clId="{7A4F95BA-2E7E-4C33-9514-95E88FDB2899}" dt="2019-07-18T02:12:34.837" v="14678" actId="20577"/>
+        <pc:sldMkLst>
+          <pc:docMk/>
+          <pc:sldMk cId="1137962475" sldId="725"/>
+        </pc:sldMkLst>
+        <pc:spChg chg="mod">
+          <ac:chgData name="臧 雷" userId="0d29c245861bfd9a" providerId="LiveId" clId="{7A4F95BA-2E7E-4C33-9514-95E88FDB2899}" dt="2019-07-17T10:10:27.246" v="12056"/>
+          <ac:spMkLst>
+            <pc:docMk/>
+            <pc:sldMk cId="1137962475" sldId="725"/>
+            <ac:spMk id="2" creationId="{00000000-0000-0000-0000-000000000000}"/>
+          </ac:spMkLst>
+        </pc:spChg>
+        <pc:spChg chg="add mod">
+          <ac:chgData name="臧 雷" userId="0d29c245861bfd9a" providerId="LiveId" clId="{7A4F95BA-2E7E-4C33-9514-95E88FDB2899}" dt="2019-07-17T12:35:58.187" v="13795" actId="12"/>
+          <ac:spMkLst>
+            <pc:docMk/>
+            <pc:sldMk cId="1137962475" sldId="725"/>
+            <ac:spMk id="5" creationId="{EED8BAA0-F25D-468B-B70C-BB8B4CCCA47D}"/>
+          </ac:spMkLst>
+        </pc:spChg>
+        <pc:spChg chg="mod">
+          <ac:chgData name="臧 雷" userId="0d29c245861bfd9a" providerId="LiveId" clId="{7A4F95BA-2E7E-4C33-9514-95E88FDB2899}" dt="2019-07-18T02:12:34.837" v="14678" actId="20577"/>
+          <ac:spMkLst>
+            <pc:docMk/>
+            <pc:sldMk cId="1137962475" sldId="725"/>
+            <ac:spMk id="8" creationId="{F12D1702-A796-409D-A677-0CA0DE389277}"/>
+          </ac:spMkLst>
+        </pc:spChg>
+        <pc:spChg chg="add del">
+          <ac:chgData name="臧 雷" userId="0d29c245861bfd9a" providerId="LiveId" clId="{7A4F95BA-2E7E-4C33-9514-95E88FDB2899}" dt="2019-07-17T10:01:15.900" v="11961"/>
+          <ac:spMkLst>
+            <pc:docMk/>
+            <pc:sldMk cId="1137962475" sldId="725"/>
+            <ac:spMk id="9" creationId="{72AFCA3E-285C-445F-A5C9-3C8B2008EB74}"/>
+          </ac:spMkLst>
+        </pc:spChg>
+        <pc:spChg chg="add mod">
+          <ac:chgData name="臧 雷" userId="0d29c245861bfd9a" providerId="LiveId" clId="{7A4F95BA-2E7E-4C33-9514-95E88FDB2899}" dt="2019-07-17T13:26:55.661" v="14212" actId="14100"/>
+          <ac:spMkLst>
+            <pc:docMk/>
+            <pc:sldMk cId="1137962475" sldId="725"/>
+            <ac:spMk id="10" creationId="{D052BB84-DF2B-444E-97A6-F76F8A9C3E19}"/>
+          </ac:spMkLst>
+        </pc:spChg>
+        <pc:spChg chg="add mod">
+          <ac:chgData name="臧 雷" userId="0d29c245861bfd9a" providerId="LiveId" clId="{7A4F95BA-2E7E-4C33-9514-95E88FDB2899}" dt="2019-07-17T14:27:10.331" v="14595" actId="1076"/>
+          <ac:spMkLst>
+            <pc:docMk/>
+            <pc:sldMk cId="1137962475" sldId="725"/>
+            <ac:spMk id="11" creationId="{47346F54-A7D9-4195-82FD-5876B887ADE5}"/>
+          </ac:spMkLst>
+        </pc:spChg>
+        <pc:picChg chg="add mod modCrop">
+          <ac:chgData name="臧 雷" userId="0d29c245861bfd9a" providerId="LiveId" clId="{7A4F95BA-2E7E-4C33-9514-95E88FDB2899}" dt="2019-07-17T13:26:43.907" v="14208" actId="1076"/>
+          <ac:picMkLst>
+            <pc:docMk/>
+            <pc:sldMk cId="1137962475" sldId="725"/>
+            <ac:picMk id="4" creationId="{88F1831C-71E0-4FF4-A841-C91E19D16A52}"/>
+          </ac:picMkLst>
+        </pc:picChg>
+        <pc:picChg chg="add mod">
+          <ac:chgData name="臧 雷" userId="0d29c245861bfd9a" providerId="LiveId" clId="{7A4F95BA-2E7E-4C33-9514-95E88FDB2899}" dt="2019-07-17T12:35:20.856" v="13784" actId="1076"/>
+          <ac:picMkLst>
+            <pc:docMk/>
+            <pc:sldMk cId="1137962475" sldId="725"/>
+            <ac:picMk id="6" creationId="{69440F12-6088-41E9-B659-7325CCA0CA98}"/>
+          </ac:picMkLst>
+        </pc:picChg>
+        <pc:picChg chg="add mod">
+          <ac:chgData name="臧 雷" userId="0d29c245861bfd9a" providerId="LiveId" clId="{7A4F95BA-2E7E-4C33-9514-95E88FDB2899}" dt="2019-07-17T12:36:06.293" v="13798" actId="1076"/>
+          <ac:picMkLst>
+            <pc:docMk/>
+            <pc:sldMk cId="1137962475" sldId="725"/>
+            <ac:picMk id="7" creationId="{B8A69B3A-59F6-4B19-9F26-2BFB1C29FA65}"/>
+          </ac:picMkLst>
+        </pc:picChg>
+      </pc:sldChg>
+      <pc:sldChg chg="addSp delSp modSp add">
+        <pc:chgData name="臧 雷" userId="0d29c245861bfd9a" providerId="LiveId" clId="{7A4F95BA-2E7E-4C33-9514-95E88FDB2899}" dt="2019-07-18T14:07:26.287" v="15060" actId="14100"/>
+        <pc:sldMkLst>
+          <pc:docMk/>
+          <pc:sldMk cId="1804663342" sldId="726"/>
+        </pc:sldMkLst>
+        <pc:spChg chg="mod">
+          <ac:chgData name="臧 雷" userId="0d29c245861bfd9a" providerId="LiveId" clId="{7A4F95BA-2E7E-4C33-9514-95E88FDB2899}" dt="2019-07-17T10:10:34.402" v="12063"/>
+          <ac:spMkLst>
+            <pc:docMk/>
+            <pc:sldMk cId="1804663342" sldId="726"/>
+            <ac:spMk id="2" creationId="{00000000-0000-0000-0000-000000000000}"/>
+          </ac:spMkLst>
+        </pc:spChg>
+        <pc:spChg chg="add del mod">
+          <ac:chgData name="臧 雷" userId="0d29c245861bfd9a" providerId="LiveId" clId="{7A4F95BA-2E7E-4C33-9514-95E88FDB2899}" dt="2019-07-17T10:11:26.588" v="12065" actId="478"/>
+          <ac:spMkLst>
+            <pc:docMk/>
+            <pc:sldMk cId="1804663342" sldId="726"/>
+            <ac:spMk id="4" creationId="{CE8B3D29-94D3-44FB-B20E-8F11D54DD1DF}"/>
+          </ac:spMkLst>
+        </pc:spChg>
+        <pc:spChg chg="add mod">
+          <ac:chgData name="臧 雷" userId="0d29c245861bfd9a" providerId="LiveId" clId="{7A4F95BA-2E7E-4C33-9514-95E88FDB2899}" dt="2019-07-18T14:07:26.287" v="15060" actId="14100"/>
+          <ac:spMkLst>
+            <pc:docMk/>
+            <pc:sldMk cId="1804663342" sldId="726"/>
+            <ac:spMk id="5" creationId="{78F2364B-4459-427F-A51E-919F30A018DC}"/>
+          </ac:spMkLst>
+        </pc:spChg>
+        <pc:spChg chg="del">
+          <ac:chgData name="臧 雷" userId="0d29c245861bfd9a" providerId="LiveId" clId="{7A4F95BA-2E7E-4C33-9514-95E88FDB2899}" dt="2019-07-17T10:01:30.200" v="11962" actId="478"/>
+          <ac:spMkLst>
+            <pc:docMk/>
+            <pc:sldMk cId="1804663342" sldId="726"/>
+            <ac:spMk id="8" creationId="{F12D1702-A796-409D-A677-0CA0DE389277}"/>
+          </ac:spMkLst>
+        </pc:spChg>
+      </pc:sldChg>
+      <pc:sldChg chg="addSp modSp add">
+        <pc:chgData name="臧 雷" userId="0d29c245861bfd9a" providerId="LiveId" clId="{7A4F95BA-2E7E-4C33-9514-95E88FDB2899}" dt="2019-07-17T12:09:44.941" v="13596" actId="1076"/>
+        <pc:sldMkLst>
+          <pc:docMk/>
+          <pc:sldMk cId="2378843352" sldId="728"/>
+        </pc:sldMkLst>
+        <pc:spChg chg="mod">
+          <ac:chgData name="臧 雷" userId="0d29c245861bfd9a" providerId="LiveId" clId="{7A4F95BA-2E7E-4C33-9514-95E88FDB2899}" dt="2019-07-17T12:09:38.572" v="13594" actId="1076"/>
+          <ac:spMkLst>
+            <pc:docMk/>
+            <pc:sldMk cId="2378843352" sldId="728"/>
+            <ac:spMk id="9" creationId="{0198A065-0232-49A1-BE9F-F8870A7975A2}"/>
+          </ac:spMkLst>
+        </pc:spChg>
+        <pc:picChg chg="mod">
+          <ac:chgData name="臧 雷" userId="0d29c245861bfd9a" providerId="LiveId" clId="{7A4F95BA-2E7E-4C33-9514-95E88FDB2899}" dt="2019-07-17T12:09:41.085" v="13595" actId="1076"/>
+          <ac:picMkLst>
+            <pc:docMk/>
+            <pc:sldMk cId="2378843352" sldId="728"/>
+            <ac:picMk id="3" creationId="{07D50F6B-9EF7-4D2B-AC13-AEBB58A50007}"/>
+          </ac:picMkLst>
+        </pc:picChg>
+        <pc:picChg chg="add mod">
+          <ac:chgData name="臧 雷" userId="0d29c245861bfd9a" providerId="LiveId" clId="{7A4F95BA-2E7E-4C33-9514-95E88FDB2899}" dt="2019-07-17T12:09:44.941" v="13596" actId="1076"/>
+          <ac:picMkLst>
+            <pc:docMk/>
+            <pc:sldMk cId="2378843352" sldId="728"/>
+            <ac:picMk id="5" creationId="{8B32EABF-8CFB-4319-AF8A-CEC1D4FA5B43}"/>
+          </ac:picMkLst>
+        </pc:picChg>
+      </pc:sldChg>
+      <pc:sldChg chg="addSp delSp modSp add">
+        <pc:chgData name="臧 雷" userId="0d29c245861bfd9a" providerId="LiveId" clId="{7A4F95BA-2E7E-4C33-9514-95E88FDB2899}" dt="2019-07-18T13:09:59.524" v="15037"/>
+        <pc:sldMkLst>
+          <pc:docMk/>
+          <pc:sldMk cId="1467111859" sldId="729"/>
+        </pc:sldMkLst>
+        <pc:spChg chg="mod">
+          <ac:chgData name="臧 雷" userId="0d29c245861bfd9a" providerId="LiveId" clId="{7A4F95BA-2E7E-4C33-9514-95E88FDB2899}" dt="2019-07-18T13:09:59.524" v="15037"/>
+          <ac:spMkLst>
+            <pc:docMk/>
+            <pc:sldMk cId="1467111859" sldId="729"/>
+            <ac:spMk id="9" creationId="{0198A065-0232-49A1-BE9F-F8870A7975A2}"/>
+          </ac:spMkLst>
+        </pc:spChg>
+        <pc:picChg chg="del mod">
+          <ac:chgData name="臧 雷" userId="0d29c245861bfd9a" providerId="LiveId" clId="{7A4F95BA-2E7E-4C33-9514-95E88FDB2899}" dt="2019-07-17T11:58:53.267" v="13086" actId="478"/>
+          <ac:picMkLst>
+            <pc:docMk/>
+            <pc:sldMk cId="1467111859" sldId="729"/>
+            <ac:picMk id="3" creationId="{07D50F6B-9EF7-4D2B-AC13-AEBB58A50007}"/>
+          </ac:picMkLst>
+        </pc:picChg>
+        <pc:picChg chg="add mod">
+          <ac:chgData name="臧 雷" userId="0d29c245861bfd9a" providerId="LiveId" clId="{7A4F95BA-2E7E-4C33-9514-95E88FDB2899}" dt="2019-07-18T10:11:13.187" v="14925" actId="14100"/>
+          <ac:picMkLst>
+            <pc:docMk/>
+            <pc:sldMk cId="1467111859" sldId="729"/>
+            <ac:picMk id="5" creationId="{E307CE3B-113D-47DA-9C99-60799250A610}"/>
+          </ac:picMkLst>
+        </pc:picChg>
+      </pc:sldChg>
+      <pc:sldChg chg="modSp add ord">
+        <pc:chgData name="臧 雷" userId="0d29c245861bfd9a" providerId="LiveId" clId="{7A4F95BA-2E7E-4C33-9514-95E88FDB2899}" dt="2019-07-17T12:30:59.169" v="13781"/>
+        <pc:sldMkLst>
+          <pc:docMk/>
+          <pc:sldMk cId="1494402932" sldId="730"/>
+        </pc:sldMkLst>
+        <pc:spChg chg="mod">
+          <ac:chgData name="臧 雷" userId="0d29c245861bfd9a" providerId="LiveId" clId="{7A4F95BA-2E7E-4C33-9514-95E88FDB2899}" dt="2019-07-17T12:30:19.568" v="13772" actId="20577"/>
+          <ac:spMkLst>
+            <pc:docMk/>
+            <pc:sldMk cId="1494402932" sldId="730"/>
+            <ac:spMk id="6" creationId="{ED737C3E-20C4-470F-B2B7-2524D6806B19}"/>
+          </ac:spMkLst>
+        </pc:spChg>
+      </pc:sldChg>
+      <pc:sldChg chg="addSp delSp modSp add ord">
+        <pc:chgData name="臧 雷" userId="0d29c245861bfd9a" providerId="LiveId" clId="{7A4F95BA-2E7E-4C33-9514-95E88FDB2899}" dt="2019-07-18T09:25:43.742" v="14868" actId="14100"/>
+        <pc:sldMkLst>
+          <pc:docMk/>
+          <pc:sldMk cId="502822564" sldId="731"/>
+        </pc:sldMkLst>
+        <pc:spChg chg="mod">
+          <ac:chgData name="臧 雷" userId="0d29c245861bfd9a" providerId="LiveId" clId="{7A4F95BA-2E7E-4C33-9514-95E88FDB2899}" dt="2019-07-18T09:20:47.231" v="14747"/>
+          <ac:spMkLst>
+            <pc:docMk/>
+            <pc:sldMk cId="502822564" sldId="731"/>
+            <ac:spMk id="2" creationId="{00000000-0000-0000-0000-000000000000}"/>
+          </ac:spMkLst>
+        </pc:spChg>
+        <pc:spChg chg="mod">
+          <ac:chgData name="臧 雷" userId="0d29c245861bfd9a" providerId="LiveId" clId="{7A4F95BA-2E7E-4C33-9514-95E88FDB2899}" dt="2019-07-18T09:24:11.228" v="14858" actId="1076"/>
+          <ac:spMkLst>
+            <pc:docMk/>
+            <pc:sldMk cId="502822564" sldId="731"/>
+            <ac:spMk id="8" creationId="{4972ABFD-24C2-4E08-A021-44CD045C8431}"/>
+          </ac:spMkLst>
+        </pc:spChg>
+        <pc:spChg chg="mod">
+          <ac:chgData name="臧 雷" userId="0d29c245861bfd9a" providerId="LiveId" clId="{7A4F95BA-2E7E-4C33-9514-95E88FDB2899}" dt="2019-07-18T09:21:42.476" v="14844" actId="20577"/>
+          <ac:spMkLst>
+            <pc:docMk/>
+            <pc:sldMk cId="502822564" sldId="731"/>
+            <ac:spMk id="9" creationId="{0198A065-0232-49A1-BE9F-F8870A7975A2}"/>
+          </ac:spMkLst>
+        </pc:spChg>
+        <pc:spChg chg="mod">
+          <ac:chgData name="臧 雷" userId="0d29c245861bfd9a" providerId="LiveId" clId="{7A4F95BA-2E7E-4C33-9514-95E88FDB2899}" dt="2019-07-18T09:25:43.742" v="14868" actId="14100"/>
+          <ac:spMkLst>
+            <pc:docMk/>
+            <pc:sldMk cId="502822564" sldId="731"/>
+            <ac:spMk id="10" creationId="{76F79001-6A1F-41DF-8A42-1D8AC23574C2}"/>
+          </ac:spMkLst>
+        </pc:spChg>
+        <pc:picChg chg="add mod ord">
+          <ac:chgData name="臧 雷" userId="0d29c245861bfd9a" providerId="LiveId" clId="{7A4F95BA-2E7E-4C33-9514-95E88FDB2899}" dt="2019-07-18T09:25:29.596" v="14865" actId="1076"/>
+          <ac:picMkLst>
+            <pc:docMk/>
+            <pc:sldMk cId="502822564" sldId="731"/>
+            <ac:picMk id="3" creationId="{FFED3518-A8B6-43D6-9F68-3B8574A77720}"/>
+          </ac:picMkLst>
+        </pc:picChg>
+        <pc:picChg chg="del mod">
+          <ac:chgData name="臧 雷" userId="0d29c245861bfd9a" providerId="LiveId" clId="{7A4F95BA-2E7E-4C33-9514-95E88FDB2899}" dt="2019-07-18T09:22:05.949" v="14848" actId="478"/>
+          <ac:picMkLst>
+            <pc:docMk/>
+            <pc:sldMk cId="502822564" sldId="731"/>
+            <ac:picMk id="4" creationId="{CC9E88AA-D286-4246-847D-984F07CDE4E1}"/>
+          </ac:picMkLst>
+        </pc:picChg>
+        <pc:picChg chg="mod">
+          <ac:chgData name="臧 雷" userId="0d29c245861bfd9a" providerId="LiveId" clId="{7A4F95BA-2E7E-4C33-9514-95E88FDB2899}" dt="2019-07-18T09:22:01.400" v="14846" actId="14100"/>
+          <ac:picMkLst>
+            <pc:docMk/>
+            <pc:sldMk cId="502822564" sldId="731"/>
+            <ac:picMk id="5" creationId="{EE8ECB36-4895-42B6-8F99-F15CF822BEDD}"/>
+          </ac:picMkLst>
+        </pc:picChg>
+        <pc:picChg chg="add mod ord">
+          <ac:chgData name="臧 雷" userId="0d29c245861bfd9a" providerId="LiveId" clId="{7A4F95BA-2E7E-4C33-9514-95E88FDB2899}" dt="2019-07-18T09:25:33.824" v="14866" actId="167"/>
+          <ac:picMkLst>
+            <pc:docMk/>
+            <pc:sldMk cId="502822564" sldId="731"/>
+            <ac:picMk id="6" creationId="{EEFB5CA2-715C-47A1-A02C-32AA18A4E42A}"/>
+          </ac:picMkLst>
+        </pc:picChg>
+        <pc:picChg chg="del">
+          <ac:chgData name="臧 雷" userId="0d29c245861bfd9a" providerId="LiveId" clId="{7A4F95BA-2E7E-4C33-9514-95E88FDB2899}" dt="2019-07-18T09:22:08.612" v="14849" actId="478"/>
+          <ac:picMkLst>
+            <pc:docMk/>
+            <pc:sldMk cId="502822564" sldId="731"/>
+            <ac:picMk id="7" creationId="{ECB0733D-7BC8-4A62-AAC8-7B278ED769B8}"/>
+          </ac:picMkLst>
+        </pc:picChg>
+      </pc:sldChg>
+      <pc:sldChg chg="addSp delSp modSp add">
+        <pc:chgData name="臧 雷" userId="0d29c245861bfd9a" providerId="LiveId" clId="{7A4F95BA-2E7E-4C33-9514-95E88FDB2899}" dt="2019-07-19T01:23:53.844" v="15078"/>
+        <pc:sldMkLst>
+          <pc:docMk/>
+          <pc:sldMk cId="405149018" sldId="732"/>
+        </pc:sldMkLst>
+        <pc:spChg chg="mod">
+          <ac:chgData name="臧 雷" userId="0d29c245861bfd9a" providerId="LiveId" clId="{7A4F95BA-2E7E-4C33-9514-95E88FDB2899}" dt="2019-07-19T01:23:53.844" v="15078"/>
+          <ac:spMkLst>
+            <pc:docMk/>
+            <pc:sldMk cId="405149018" sldId="732"/>
+            <ac:spMk id="2" creationId="{00000000-0000-0000-0000-000000000000}"/>
+          </ac:spMkLst>
+        </pc:spChg>
+        <pc:spChg chg="mod">
+          <ac:chgData name="臧 雷" userId="0d29c245861bfd9a" providerId="LiveId" clId="{7A4F95BA-2E7E-4C33-9514-95E88FDB2899}" dt="2019-07-18T09:32:57.786" v="14892" actId="1076"/>
+          <ac:spMkLst>
+            <pc:docMk/>
+            <pc:sldMk cId="405149018" sldId="732"/>
+            <ac:spMk id="7" creationId="{D71C2BE4-CC32-401C-9366-1AC88F3547AD}"/>
+          </ac:spMkLst>
+        </pc:spChg>
+        <pc:spChg chg="mod">
+          <ac:chgData name="臧 雷" userId="0d29c245861bfd9a" providerId="LiveId" clId="{7A4F95BA-2E7E-4C33-9514-95E88FDB2899}" dt="2019-07-18T09:27:33.539" v="14881" actId="20577"/>
+          <ac:spMkLst>
+            <pc:docMk/>
+            <pc:sldMk cId="405149018" sldId="732"/>
+            <ac:spMk id="9" creationId="{0198A065-0232-49A1-BE9F-F8870A7975A2}"/>
+          </ac:spMkLst>
+        </pc:spChg>
+        <pc:picChg chg="del">
+          <ac:chgData name="臧 雷" userId="0d29c245861bfd9a" providerId="LiveId" clId="{7A4F95BA-2E7E-4C33-9514-95E88FDB2899}" dt="2019-07-18T09:27:16.521" v="14873" actId="478"/>
+          <ac:picMkLst>
+            <pc:docMk/>
+            <pc:sldMk cId="405149018" sldId="732"/>
+            <ac:picMk id="3" creationId="{B20A8BDD-A43D-49C1-89B4-37D3B6177110}"/>
+          </ac:picMkLst>
+        </pc:picChg>
+        <pc:picChg chg="add del mod">
+          <ac:chgData name="臧 雷" userId="0d29c245861bfd9a" providerId="LiveId" clId="{7A4F95BA-2E7E-4C33-9514-95E88FDB2899}" dt="2019-07-18T09:27:46.518" v="14886" actId="478"/>
+          <ac:picMkLst>
+            <pc:docMk/>
+            <pc:sldMk cId="405149018" sldId="732"/>
+            <ac:picMk id="4" creationId="{BA541D35-B668-4E51-A738-0D3E2ABA8D92}"/>
+          </ac:picMkLst>
+        </pc:picChg>
+        <pc:picChg chg="add mod ord">
+          <ac:chgData name="臧 雷" userId="0d29c245861bfd9a" providerId="LiveId" clId="{7A4F95BA-2E7E-4C33-9514-95E88FDB2899}" dt="2019-07-18T09:32:51.903" v="14891" actId="1076"/>
+          <ac:picMkLst>
+            <pc:docMk/>
+            <pc:sldMk cId="405149018" sldId="732"/>
+            <ac:picMk id="8" creationId="{53BC0FF0-1460-4448-8D23-8CA65D163500}"/>
+          </ac:picMkLst>
+        </pc:picChg>
+      </pc:sldChg>
+      <pc:sldChg chg="delSp add del">
+        <pc:chgData name="臧 雷" userId="0d29c245861bfd9a" providerId="LiveId" clId="{7A4F95BA-2E7E-4C33-9514-95E88FDB2899}" dt="2019-07-18T09:26:53.195" v="14871" actId="2696"/>
+        <pc:sldMkLst>
+          <pc:docMk/>
+          <pc:sldMk cId="2761646347" sldId="732"/>
+        </pc:sldMkLst>
+        <pc:picChg chg="del">
+          <ac:chgData name="臧 雷" userId="0d29c245861bfd9a" providerId="LiveId" clId="{7A4F95BA-2E7E-4C33-9514-95E88FDB2899}" dt="2019-07-18T09:26:40.758" v="14870" actId="478"/>
+          <ac:picMkLst>
+            <pc:docMk/>
+            <pc:sldMk cId="2761646347" sldId="732"/>
+            <ac:picMk id="4" creationId="{054930BD-3F26-458B-8E11-C869F46C8DD2}"/>
+          </ac:picMkLst>
+        </pc:picChg>
+      </pc:sldChg>
+    </pc:docChg>
+  </pc:docChgLst>
+  <pc:docChgLst>
+    <pc:chgData name="雷 臧" userId="0d29c245861bfd9a" providerId="LiveId" clId="{7A4F95BA-2E7E-4C33-9514-95E88FDB2899}"/>
+    <pc:docChg chg="modSld">
+      <pc:chgData name="雷 臧" userId="0d29c245861bfd9a" providerId="LiveId" clId="{7A4F95BA-2E7E-4C33-9514-95E88FDB2899}" dt="2019-07-17T15:54:47.724" v="13" actId="1076"/>
+      <pc:docMkLst>
+        <pc:docMk/>
+      </pc:docMkLst>
+      <pc:sldChg chg="modSp">
+        <pc:chgData name="雷 臧" userId="0d29c245861bfd9a" providerId="LiveId" clId="{7A4F95BA-2E7E-4C33-9514-95E88FDB2899}" dt="2019-07-17T15:50:19.524" v="5" actId="1076"/>
+        <pc:sldMkLst>
+          <pc:docMk/>
+          <pc:sldMk cId="888521362" sldId="710"/>
+        </pc:sldMkLst>
+        <pc:picChg chg="mod">
+          <ac:chgData name="雷 臧" userId="0d29c245861bfd9a" providerId="LiveId" clId="{7A4F95BA-2E7E-4C33-9514-95E88FDB2899}" dt="2019-07-17T15:50:19.524" v="5" actId="1076"/>
+          <ac:picMkLst>
+            <pc:docMk/>
+            <pc:sldMk cId="888521362" sldId="710"/>
+            <ac:picMk id="5" creationId="{EE8ECB36-4895-42B6-8F99-F15CF822BEDD}"/>
+          </ac:picMkLst>
+        </pc:picChg>
+      </pc:sldChg>
+      <pc:sldChg chg="modSp">
+        <pc:chgData name="雷 臧" userId="0d29c245861bfd9a" providerId="LiveId" clId="{7A4F95BA-2E7E-4C33-9514-95E88FDB2899}" dt="2019-07-17T15:50:27.196" v="8" actId="1076"/>
+        <pc:sldMkLst>
+          <pc:docMk/>
+          <pc:sldMk cId="1781636972" sldId="711"/>
+        </pc:sldMkLst>
+        <pc:picChg chg="mod">
+          <ac:chgData name="雷 臧" userId="0d29c245861bfd9a" providerId="LiveId" clId="{7A4F95BA-2E7E-4C33-9514-95E88FDB2899}" dt="2019-07-17T15:50:27.196" v="8" actId="1076"/>
+          <ac:picMkLst>
+            <pc:docMk/>
+            <pc:sldMk cId="1781636972" sldId="711"/>
+            <ac:picMk id="4" creationId="{E84D18BC-1E3D-461F-9690-9653BA2E76E6}"/>
+          </ac:picMkLst>
+        </pc:picChg>
+      </pc:sldChg>
+      <pc:sldChg chg="modSp">
+        <pc:chgData name="雷 臧" userId="0d29c245861bfd9a" providerId="LiveId" clId="{7A4F95BA-2E7E-4C33-9514-95E88FDB2899}" dt="2019-07-17T15:54:47.724" v="13" actId="1076"/>
+        <pc:sldMkLst>
+          <pc:docMk/>
+          <pc:sldMk cId="4243025836" sldId="712"/>
+        </pc:sldMkLst>
+        <pc:spChg chg="mod">
+          <ac:chgData name="雷 臧" userId="0d29c245861bfd9a" providerId="LiveId" clId="{7A4F95BA-2E7E-4C33-9514-95E88FDB2899}" dt="2019-07-17T15:54:30.961" v="10" actId="1076"/>
+          <ac:spMkLst>
+            <pc:docMk/>
+            <pc:sldMk cId="4243025836" sldId="712"/>
+            <ac:spMk id="6" creationId="{446DB4DA-D1B0-42A4-96B8-91176F79B308}"/>
+          </ac:spMkLst>
+        </pc:spChg>
+        <pc:spChg chg="mod">
+          <ac:chgData name="雷 臧" userId="0d29c245861bfd9a" providerId="LiveId" clId="{7A4F95BA-2E7E-4C33-9514-95E88FDB2899}" dt="2019-07-17T15:54:42.407" v="11" actId="1076"/>
+          <ac:spMkLst>
+            <pc:docMk/>
+            <pc:sldMk cId="4243025836" sldId="712"/>
+            <ac:spMk id="7" creationId="{8F75225B-6809-447A-9F3A-788F1372AA8A}"/>
+          </ac:spMkLst>
+        </pc:spChg>
+        <pc:picChg chg="mod">
+          <ac:chgData name="雷 臧" userId="0d29c245861bfd9a" providerId="LiveId" clId="{7A4F95BA-2E7E-4C33-9514-95E88FDB2899}" dt="2019-07-17T15:54:23.206" v="9" actId="1076"/>
+          <ac:picMkLst>
+            <pc:docMk/>
+            <pc:sldMk cId="4243025836" sldId="712"/>
+            <ac:picMk id="3" creationId="{6AA724CE-C848-4A18-A4AB-1AF450456ED1}"/>
+          </ac:picMkLst>
+        </pc:picChg>
+        <pc:picChg chg="mod">
+          <ac:chgData name="雷 臧" userId="0d29c245861bfd9a" providerId="LiveId" clId="{7A4F95BA-2E7E-4C33-9514-95E88FDB2899}" dt="2019-07-17T15:54:47.724" v="13" actId="1076"/>
+          <ac:picMkLst>
+            <pc:docMk/>
+            <pc:sldMk cId="4243025836" sldId="712"/>
+            <ac:picMk id="5" creationId="{06B140E7-21F0-45D0-8939-62C361E57E8E}"/>
+          </ac:picMkLst>
+        </pc:picChg>
+      </pc:sldChg>
+    </pc:docChg>
+  </pc:docChgLst>
+  <pc:docChgLst>
+    <pc:chgData name="臧 雷" userId="0d29c245861bfd9a" providerId="LiveId" clId="{921CEDFD-3BC1-4F53-9FC9-EB5F225F707C}"/>
+  </pc:docChgLst>
+</pc:chgInfo>
+</file>
+
 <file path=ppt/handoutMasters/handoutMaster1.xml><?xml version="1.0" encoding="utf-8"?>
 <p:handoutMaster xmlns:a="http://schemas.openxmlformats.org/drawingml/2006/main" xmlns:r="http://schemas.openxmlformats.org/officeDocument/2006/relationships" xmlns:p="http://schemas.openxmlformats.org/presentationml/2006/main">
   <p:cSld>
@@ -240,7 +2187,7 @@
             <a:fld id="{F2C7CA11-3525-4133-8E34-530B51710A62}" type="datetimeFigureOut">
               <a:rPr lang="zh-CN" altLang="en-US" smtClean="0"/>
               <a:pPr/>
-              <a:t>2019/8/23</a:t>
+              <a:t>2019/8/25</a:t>
             </a:fld>
             <a:endParaRPr lang="zh-CN" altLang="en-US"/>
           </a:p>
@@ -407,7 +2354,7 @@
             <a:fld id="{DC4018C8-7665-41A0-8672-B47CF12BC414}" type="datetimeFigureOut">
               <a:rPr lang="zh-CN" altLang="en-US" smtClean="0"/>
               <a:pPr/>
-              <a:t>2019/8/23</a:t>
+              <a:t>2019/8/25</a:t>
             </a:fld>
             <a:endParaRPr lang="zh-CN" altLang="en-US"/>
           </a:p>
@@ -677,6 +2624,176 @@
 </p:notesMaster>
 </file>
 
+<file path=ppt/notesSlides/notesSlide1.xml><?xml version="1.0" encoding="utf-8"?>
+<p:notes xmlns:a="http://schemas.openxmlformats.org/drawingml/2006/main" xmlns:r="http://schemas.openxmlformats.org/officeDocument/2006/relationships" xmlns:p="http://schemas.openxmlformats.org/presentationml/2006/main">
+  <p:cSld>
+    <p:spTree>
+      <p:nvGrpSpPr>
+        <p:cNvPr id="1" name=""/>
+        <p:cNvGrpSpPr/>
+        <p:nvPr/>
+      </p:nvGrpSpPr>
+      <p:grpSpPr>
+        <a:xfrm>
+          <a:off x="0" y="0"/>
+          <a:ext cx="0" cy="0"/>
+          <a:chOff x="0" y="0"/>
+          <a:chExt cx="0" cy="0"/>
+        </a:xfrm>
+      </p:grpSpPr>
+      <p:sp>
+        <p:nvSpPr>
+          <p:cNvPr id="2" name="幻灯片图像占位符 1"/>
+          <p:cNvSpPr>
+            <a:spLocks noGrp="1" noRot="1" noChangeAspect="1"/>
+          </p:cNvSpPr>
+          <p:nvPr>
+            <p:ph type="sldImg"/>
+          </p:nvPr>
+        </p:nvSpPr>
+        <p:spPr/>
+      </p:sp>
+      <p:sp>
+        <p:nvSpPr>
+          <p:cNvPr id="3" name="备注占位符 2"/>
+          <p:cNvSpPr>
+            <a:spLocks noGrp="1"/>
+          </p:cNvSpPr>
+          <p:nvPr>
+            <p:ph type="body" idx="1"/>
+          </p:nvPr>
+        </p:nvSpPr>
+        <p:spPr/>
+        <p:txBody>
+          <a:bodyPr/>
+          <a:lstStyle/>
+          <a:p>
+            <a:endParaRPr lang="zh-CN" altLang="en-US" dirty="0"/>
+          </a:p>
+        </p:txBody>
+      </p:sp>
+      <p:sp>
+        <p:nvSpPr>
+          <p:cNvPr id="4" name="灯片编号占位符 3"/>
+          <p:cNvSpPr>
+            <a:spLocks noGrp="1"/>
+          </p:cNvSpPr>
+          <p:nvPr>
+            <p:ph type="sldNum" sz="quarter" idx="5"/>
+          </p:nvPr>
+        </p:nvSpPr>
+        <p:spPr/>
+        <p:txBody>
+          <a:bodyPr/>
+          <a:lstStyle/>
+          <a:p>
+            <a:fld id="{B5F969E9-6922-40F2-9404-D8724D6F3996}" type="slidenum">
+              <a:rPr lang="zh-CN" altLang="en-US" smtClean="0"/>
+              <a:pPr/>
+              <a:t>9</a:t>
+            </a:fld>
+            <a:endParaRPr lang="zh-CN" altLang="en-US"/>
+          </a:p>
+        </p:txBody>
+      </p:sp>
+    </p:spTree>
+    <p:extLst>
+      <p:ext uri="{BB962C8B-B14F-4D97-AF65-F5344CB8AC3E}">
+        <p14:creationId xmlns:p14="http://schemas.microsoft.com/office/powerpoint/2010/main" val="4094416066"/>
+      </p:ext>
+    </p:extLst>
+  </p:cSld>
+  <p:clrMapOvr>
+    <a:masterClrMapping/>
+  </p:clrMapOvr>
+</p:notes>
+</file>
+
+<file path=ppt/notesSlides/notesSlide2.xml><?xml version="1.0" encoding="utf-8"?>
+<p:notes xmlns:a="http://schemas.openxmlformats.org/drawingml/2006/main" xmlns:r="http://schemas.openxmlformats.org/officeDocument/2006/relationships" xmlns:p="http://schemas.openxmlformats.org/presentationml/2006/main">
+  <p:cSld>
+    <p:spTree>
+      <p:nvGrpSpPr>
+        <p:cNvPr id="1" name=""/>
+        <p:cNvGrpSpPr/>
+        <p:nvPr/>
+      </p:nvGrpSpPr>
+      <p:grpSpPr>
+        <a:xfrm>
+          <a:off x="0" y="0"/>
+          <a:ext cx="0" cy="0"/>
+          <a:chOff x="0" y="0"/>
+          <a:chExt cx="0" cy="0"/>
+        </a:xfrm>
+      </p:grpSpPr>
+      <p:sp>
+        <p:nvSpPr>
+          <p:cNvPr id="2" name="幻灯片图像占位符 1"/>
+          <p:cNvSpPr>
+            <a:spLocks noGrp="1" noRot="1" noChangeAspect="1"/>
+          </p:cNvSpPr>
+          <p:nvPr>
+            <p:ph type="sldImg"/>
+          </p:nvPr>
+        </p:nvSpPr>
+        <p:spPr/>
+      </p:sp>
+      <p:sp>
+        <p:nvSpPr>
+          <p:cNvPr id="3" name="备注占位符 2"/>
+          <p:cNvSpPr>
+            <a:spLocks noGrp="1"/>
+          </p:cNvSpPr>
+          <p:nvPr>
+            <p:ph type="body" idx="1"/>
+          </p:nvPr>
+        </p:nvSpPr>
+        <p:spPr/>
+        <p:txBody>
+          <a:bodyPr/>
+          <a:lstStyle/>
+          <a:p>
+            <a:endParaRPr lang="zh-CN" altLang="en-US" dirty="0"/>
+          </a:p>
+        </p:txBody>
+      </p:sp>
+      <p:sp>
+        <p:nvSpPr>
+          <p:cNvPr id="4" name="灯片编号占位符 3"/>
+          <p:cNvSpPr>
+            <a:spLocks noGrp="1"/>
+          </p:cNvSpPr>
+          <p:nvPr>
+            <p:ph type="sldNum" sz="quarter" idx="5"/>
+          </p:nvPr>
+        </p:nvSpPr>
+        <p:spPr/>
+        <p:txBody>
+          <a:bodyPr/>
+          <a:lstStyle/>
+          <a:p>
+            <a:fld id="{B5F969E9-6922-40F2-9404-D8724D6F3996}" type="slidenum">
+              <a:rPr lang="zh-CN" altLang="en-US" smtClean="0"/>
+              <a:pPr/>
+              <a:t>10</a:t>
+            </a:fld>
+            <a:endParaRPr lang="zh-CN" altLang="en-US"/>
+          </a:p>
+        </p:txBody>
+      </p:sp>
+    </p:spTree>
+    <p:extLst>
+      <p:ext uri="{BB962C8B-B14F-4D97-AF65-F5344CB8AC3E}">
+        <p14:creationId xmlns:p14="http://schemas.microsoft.com/office/powerpoint/2010/main" val="2777918231"/>
+      </p:ext>
+    </p:extLst>
+  </p:cSld>
+  <p:clrMapOvr>
+    <a:masterClrMapping/>
+  </p:clrMapOvr>
+</p:notes>
+</file>
+
 <file path=ppt/slideLayouts/slideLayout1.xml><?xml version="1.0" encoding="utf-8"?>
 <p:sldLayout xmlns:a="http://schemas.openxmlformats.org/drawingml/2006/main" xmlns:r="http://schemas.openxmlformats.org/officeDocument/2006/relationships" xmlns:p="http://schemas.openxmlformats.org/presentationml/2006/main" type="title" preserve="1">
   <p:cSld name="标题幻灯片">
@@ -857,7 +2974,7 @@
             <a:fld id="{530820CF-B880-4189-942D-D702A7CBA730}" type="datetimeFigureOut">
               <a:rPr lang="zh-CN" altLang="en-US" smtClean="0"/>
               <a:pPr/>
-              <a:t>2019/8/23</a:t>
+              <a:t>2019/8/25</a:t>
             </a:fld>
             <a:endParaRPr lang="zh-CN" altLang="en-US"/>
           </a:p>
@@ -952,7 +3069,7 @@
             <a:fld id="{530820CF-B880-4189-942D-D702A7CBA730}" type="datetimeFigureOut">
               <a:rPr lang="zh-CN" altLang="en-US" smtClean="0"/>
               <a:pPr/>
-              <a:t>2019/8/23</a:t>
+              <a:t>2019/8/25</a:t>
             </a:fld>
             <a:endParaRPr lang="zh-CN" altLang="en-US"/>
           </a:p>
@@ -1462,7 +3579,7 @@
             <a:fld id="{530820CF-B880-4189-942D-D702A7CBA730}" type="datetimeFigureOut">
               <a:rPr lang="zh-CN" altLang="en-US" smtClean="0"/>
               <a:pPr/>
-              <a:t>2019/8/23</a:t>
+              <a:t>2019/8/25</a:t>
             </a:fld>
             <a:endParaRPr lang="zh-CN" altLang="en-US"/>
           </a:p>
@@ -2023,6 +4140,343 @@
 </p:sld>
 </file>
 
+<file path=ppt/slides/slide10.xml><?xml version="1.0" encoding="utf-8"?>
+<p:sld xmlns:a="http://schemas.openxmlformats.org/drawingml/2006/main" xmlns:r="http://schemas.openxmlformats.org/officeDocument/2006/relationships" xmlns:p="http://schemas.openxmlformats.org/presentationml/2006/main">
+  <p:cSld>
+    <p:spTree>
+      <p:nvGrpSpPr>
+        <p:cNvPr id="1" name=""/>
+        <p:cNvGrpSpPr/>
+        <p:nvPr/>
+      </p:nvGrpSpPr>
+      <p:grpSpPr>
+        <a:xfrm>
+          <a:off x="0" y="0"/>
+          <a:ext cx="0" cy="0"/>
+          <a:chOff x="0" y="0"/>
+          <a:chExt cx="0" cy="0"/>
+        </a:xfrm>
+      </p:grpSpPr>
+      <p:sp>
+        <p:nvSpPr>
+          <p:cNvPr id="2" name="标题 1"/>
+          <p:cNvSpPr>
+            <a:spLocks noGrp="1"/>
+          </p:cNvSpPr>
+          <p:nvPr>
+            <p:ph type="title"/>
+          </p:nvPr>
+        </p:nvSpPr>
+        <p:spPr>
+          <a:xfrm>
+            <a:off x="261764" y="155368"/>
+            <a:ext cx="11521280" cy="605471"/>
+          </a:xfrm>
+        </p:spPr>
+        <p:txBody>
+          <a:bodyPr/>
+          <a:lstStyle/>
+          <a:p>
+            <a:r>
+              <a:rPr kumimoji="1" lang="en-US" altLang="zh-CN" dirty="0"/>
+              <a:t>4. </a:t>
+            </a:r>
+            <a:r>
+              <a:rPr kumimoji="1" lang="zh-CN" altLang="en-US" dirty="0"/>
+              <a:t>使用其他机器学习模型</a:t>
+            </a:r>
+          </a:p>
+        </p:txBody>
+      </p:sp>
+      <p:sp>
+        <p:nvSpPr>
+          <p:cNvPr id="8" name="内容占位符 2">
+            <a:extLst>
+              <a:ext uri="{FF2B5EF4-FFF2-40B4-BE49-F238E27FC236}">
+                <a16:creationId xmlns:a16="http://schemas.microsoft.com/office/drawing/2014/main" id="{F12D1702-A796-409D-A677-0CA0DE389277}"/>
+              </a:ext>
+            </a:extLst>
+          </p:cNvPr>
+          <p:cNvSpPr txBox="1">
+            <a:spLocks/>
+          </p:cNvSpPr>
+          <p:nvPr/>
+        </p:nvSpPr>
+        <p:spPr>
+          <a:xfrm>
+            <a:off x="477788" y="1412776"/>
+            <a:ext cx="10736212" cy="5040560"/>
+          </a:xfrm>
+          <a:prstGeom prst="rect">
+            <a:avLst/>
+          </a:prstGeom>
+        </p:spPr>
+        <p:txBody>
+          <a:bodyPr/>
+          <a:lstStyle>
+            <a:lvl1pPr marL="342774" indent="-342774" algn="l" defTabSz="914064" rtl="0" eaLnBrk="1" latinLnBrk="0" hangingPunct="1">
+              <a:spcBef>
+                <a:spcPct val="20000"/>
+              </a:spcBef>
+              <a:buFont typeface="Arial" pitchFamily="34" charset="0"/>
+              <a:buChar char="•"/>
+              <a:defRPr sz="2700" kern="1200">
+                <a:solidFill>
+                  <a:schemeClr val="tx1"/>
+                </a:solidFill>
+                <a:latin typeface="微软雅黑" panose="020B0503020204020204" pitchFamily="34" charset="-122"/>
+                <a:ea typeface="微软雅黑" panose="020B0503020204020204" pitchFamily="34" charset="-122"/>
+                <a:cs typeface="+mn-cs"/>
+              </a:defRPr>
+            </a:lvl1pPr>
+            <a:lvl2pPr marL="742677" indent="-285646" algn="l" defTabSz="914064" rtl="0" eaLnBrk="1" latinLnBrk="0" hangingPunct="1">
+              <a:spcBef>
+                <a:spcPct val="20000"/>
+              </a:spcBef>
+              <a:buFont typeface="Arial" pitchFamily="34" charset="0"/>
+              <a:buChar char="–"/>
+              <a:defRPr sz="2300" kern="1200">
+                <a:solidFill>
+                  <a:schemeClr val="tx1"/>
+                </a:solidFill>
+                <a:latin typeface="微软雅黑" panose="020B0503020204020204" pitchFamily="34" charset="-122"/>
+                <a:ea typeface="微软雅黑" panose="020B0503020204020204" pitchFamily="34" charset="-122"/>
+                <a:cs typeface="+mn-cs"/>
+              </a:defRPr>
+            </a:lvl2pPr>
+            <a:lvl3pPr marL="1142581" indent="-228515" algn="l" defTabSz="914064" rtl="0" eaLnBrk="1" latinLnBrk="0" hangingPunct="1">
+              <a:spcBef>
+                <a:spcPct val="20000"/>
+              </a:spcBef>
+              <a:buFont typeface="Arial" pitchFamily="34" charset="0"/>
+              <a:buChar char="•"/>
+              <a:defRPr sz="2300" kern="1200">
+                <a:solidFill>
+                  <a:schemeClr val="tx1"/>
+                </a:solidFill>
+                <a:latin typeface="微软雅黑" panose="020B0503020204020204" pitchFamily="34" charset="-122"/>
+                <a:ea typeface="微软雅黑" panose="020B0503020204020204" pitchFamily="34" charset="-122"/>
+                <a:cs typeface="+mn-cs"/>
+              </a:defRPr>
+            </a:lvl3pPr>
+            <a:lvl4pPr marL="1599612" indent="-228515" algn="l" defTabSz="914064" rtl="0" eaLnBrk="1" latinLnBrk="0" hangingPunct="1">
+              <a:spcBef>
+                <a:spcPct val="20000"/>
+              </a:spcBef>
+              <a:buFont typeface="Arial" pitchFamily="34" charset="0"/>
+              <a:buChar char="–"/>
+              <a:defRPr sz="1900" kern="1200">
+                <a:solidFill>
+                  <a:schemeClr val="tx1"/>
+                </a:solidFill>
+                <a:latin typeface="微软雅黑" panose="020B0503020204020204" pitchFamily="34" charset="-122"/>
+                <a:ea typeface="微软雅黑" panose="020B0503020204020204" pitchFamily="34" charset="-122"/>
+                <a:cs typeface="+mn-cs"/>
+              </a:defRPr>
+            </a:lvl4pPr>
+            <a:lvl5pPr marL="2056644" indent="-228515" algn="l" defTabSz="914064" rtl="0" eaLnBrk="1" latinLnBrk="0" hangingPunct="1">
+              <a:spcBef>
+                <a:spcPct val="20000"/>
+              </a:spcBef>
+              <a:buFont typeface="Arial" pitchFamily="34" charset="0"/>
+              <a:buChar char="»"/>
+              <a:defRPr sz="1900" kern="1200">
+                <a:solidFill>
+                  <a:schemeClr val="tx1"/>
+                </a:solidFill>
+                <a:latin typeface="微软雅黑" panose="020B0503020204020204" pitchFamily="34" charset="-122"/>
+                <a:ea typeface="微软雅黑" panose="020B0503020204020204" pitchFamily="34" charset="-122"/>
+                <a:cs typeface="+mn-cs"/>
+              </a:defRPr>
+            </a:lvl5pPr>
+            <a:lvl6pPr marL="2513675" indent="-228515" algn="l" defTabSz="914064" rtl="0" eaLnBrk="1" latinLnBrk="0" hangingPunct="1">
+              <a:spcBef>
+                <a:spcPct val="20000"/>
+              </a:spcBef>
+              <a:buFont typeface="Arial" pitchFamily="34" charset="0"/>
+              <a:buChar char="•"/>
+              <a:defRPr sz="1900" kern="1200">
+                <a:solidFill>
+                  <a:schemeClr val="tx1"/>
+                </a:solidFill>
+                <a:latin typeface="+mn-lt"/>
+                <a:ea typeface="+mn-ea"/>
+                <a:cs typeface="+mn-cs"/>
+              </a:defRPr>
+            </a:lvl6pPr>
+            <a:lvl7pPr marL="2970709" indent="-228515" algn="l" defTabSz="914064" rtl="0" eaLnBrk="1" latinLnBrk="0" hangingPunct="1">
+              <a:spcBef>
+                <a:spcPct val="20000"/>
+              </a:spcBef>
+              <a:buFont typeface="Arial" pitchFamily="34" charset="0"/>
+              <a:buChar char="•"/>
+              <a:defRPr sz="1900" kern="1200">
+                <a:solidFill>
+                  <a:schemeClr val="tx1"/>
+                </a:solidFill>
+                <a:latin typeface="+mn-lt"/>
+                <a:ea typeface="+mn-ea"/>
+                <a:cs typeface="+mn-cs"/>
+              </a:defRPr>
+            </a:lvl7pPr>
+            <a:lvl8pPr marL="3427741" indent="-228515" algn="l" defTabSz="914064" rtl="0" eaLnBrk="1" latinLnBrk="0" hangingPunct="1">
+              <a:spcBef>
+                <a:spcPct val="20000"/>
+              </a:spcBef>
+              <a:buFont typeface="Arial" pitchFamily="34" charset="0"/>
+              <a:buChar char="•"/>
+              <a:defRPr sz="1900" kern="1200">
+                <a:solidFill>
+                  <a:schemeClr val="tx1"/>
+                </a:solidFill>
+                <a:latin typeface="+mn-lt"/>
+                <a:ea typeface="+mn-ea"/>
+                <a:cs typeface="+mn-cs"/>
+              </a:defRPr>
+            </a:lvl8pPr>
+            <a:lvl9pPr marL="3884771" indent="-228515" algn="l" defTabSz="914064" rtl="0" eaLnBrk="1" latinLnBrk="0" hangingPunct="1">
+              <a:spcBef>
+                <a:spcPct val="20000"/>
+              </a:spcBef>
+              <a:buFont typeface="Arial" pitchFamily="34" charset="0"/>
+              <a:buChar char="•"/>
+              <a:defRPr sz="1900" kern="1200">
+                <a:solidFill>
+                  <a:schemeClr val="tx1"/>
+                </a:solidFill>
+                <a:latin typeface="+mn-lt"/>
+                <a:ea typeface="+mn-ea"/>
+                <a:cs typeface="+mn-cs"/>
+              </a:defRPr>
+            </a:lvl9pPr>
+          </a:lstStyle>
+          <a:p>
+            <a:pPr marL="0" indent="0">
+              <a:buNone/>
+              <a:defRPr/>
+            </a:pPr>
+            <a:r>
+              <a:rPr lang="zh-CN" altLang="en-US" sz="2400" dirty="0">
+                <a:latin typeface="黑体" panose="02010609060101010101" pitchFamily="49" charset="-122"/>
+                <a:ea typeface="黑体" panose="02010609060101010101" pitchFamily="49" charset="-122"/>
+              </a:rPr>
+              <a:t>模型选择指引</a:t>
+            </a:r>
+            <a:r>
+              <a:rPr lang="zh-CN" altLang="en-US" sz="2400" dirty="0">
+                <a:latin typeface="+mj-ea"/>
+                <a:ea typeface="+mj-ea"/>
+              </a:rPr>
+              <a:t>：</a:t>
+            </a:r>
+            <a:endParaRPr lang="en-US" altLang="zh-CN" sz="2400" dirty="0">
+              <a:latin typeface="+mj-ea"/>
+              <a:ea typeface="+mj-ea"/>
+            </a:endParaRPr>
+          </a:p>
+          <a:p>
+            <a:pPr>
+              <a:defRPr/>
+            </a:pPr>
+            <a:r>
+              <a:rPr lang="zh-CN" altLang="en-US" sz="2400" dirty="0">
+                <a:latin typeface="+mj-ea"/>
+                <a:ea typeface="+mj-ea"/>
+              </a:rPr>
+              <a:t>线性模型</a:t>
+            </a:r>
+            <a:endParaRPr lang="en-US" altLang="zh-CN" sz="2400" dirty="0">
+              <a:latin typeface="+mj-ea"/>
+              <a:ea typeface="+mj-ea"/>
+            </a:endParaRPr>
+          </a:p>
+          <a:p>
+            <a:pPr>
+              <a:defRPr/>
+            </a:pPr>
+            <a:r>
+              <a:rPr lang="zh-CN" altLang="en-US" sz="2400" dirty="0">
+                <a:latin typeface="+mj-ea"/>
+                <a:ea typeface="+mj-ea"/>
+              </a:rPr>
+              <a:t>集成学习模型（基于决策树的模型，包括随机森林和</a:t>
+            </a:r>
+            <a:r>
+              <a:rPr lang="en-US" altLang="zh-CN" sz="2400" dirty="0">
+                <a:latin typeface="+mj-ea"/>
+                <a:ea typeface="+mj-ea"/>
+              </a:rPr>
+              <a:t>GBDT</a:t>
+            </a:r>
+            <a:r>
+              <a:rPr lang="zh-CN" altLang="en-US" sz="2400" dirty="0">
+                <a:latin typeface="+mj-ea"/>
+                <a:ea typeface="+mj-ea"/>
+              </a:rPr>
+              <a:t>）</a:t>
+            </a:r>
+            <a:endParaRPr lang="en-US" altLang="zh-CN" sz="2400" dirty="0">
+              <a:latin typeface="+mj-ea"/>
+              <a:ea typeface="+mj-ea"/>
+            </a:endParaRPr>
+          </a:p>
+          <a:p>
+            <a:pPr>
+              <a:defRPr/>
+            </a:pPr>
+            <a:r>
+              <a:rPr lang="zh-CN" altLang="en-US" sz="2400" dirty="0">
+                <a:latin typeface="+mj-ea"/>
+                <a:ea typeface="+mj-ea"/>
+              </a:rPr>
+              <a:t>深度学习模型（神经网络）</a:t>
+            </a:r>
+            <a:endParaRPr lang="en-US" altLang="zh-CN" sz="2400" dirty="0">
+              <a:latin typeface="+mj-ea"/>
+              <a:ea typeface="+mj-ea"/>
+            </a:endParaRPr>
+          </a:p>
+          <a:p>
+            <a:pPr>
+              <a:defRPr/>
+            </a:pPr>
+            <a:endParaRPr lang="en-US" altLang="zh-CN" sz="2400" dirty="0">
+              <a:latin typeface="+mj-ea"/>
+              <a:ea typeface="+mj-ea"/>
+            </a:endParaRPr>
+          </a:p>
+          <a:p>
+            <a:pPr marL="0" indent="0">
+              <a:buNone/>
+              <a:defRPr/>
+            </a:pPr>
+            <a:r>
+              <a:rPr lang="zh-CN" altLang="en-US" sz="2400" dirty="0">
+                <a:latin typeface="+mj-ea"/>
+                <a:ea typeface="+mj-ea"/>
+              </a:rPr>
+              <a:t>从上到下，模型复杂程度逐步增加，需要的数据量也逐步增加</a:t>
+            </a:r>
+            <a:endParaRPr lang="en-US" altLang="zh-CN" sz="2400" dirty="0">
+              <a:latin typeface="+mj-ea"/>
+              <a:ea typeface="+mj-ea"/>
+            </a:endParaRPr>
+          </a:p>
+        </p:txBody>
+      </p:sp>
+    </p:spTree>
+    <p:extLst>
+      <p:ext uri="{BB962C8B-B14F-4D97-AF65-F5344CB8AC3E}">
+        <p14:creationId xmlns:p14="http://schemas.microsoft.com/office/powerpoint/2010/main" val="123613366"/>
+      </p:ext>
+    </p:extLst>
+  </p:cSld>
+  <p:clrMapOvr>
+    <a:masterClrMapping/>
+  </p:clrMapOvr>
+</p:sld>
+</file>
+
 <file path=ppt/slides/slide2.xml><?xml version="1.0" encoding="utf-8"?>
 <p:sld xmlns:a="http://schemas.openxmlformats.org/drawingml/2006/main" xmlns:r="http://schemas.openxmlformats.org/officeDocument/2006/relationships" xmlns:p="http://schemas.openxmlformats.org/presentationml/2006/main">
   <p:cSld>
@@ -2088,7 +4542,7 @@
         <p:spPr>
           <a:xfrm>
             <a:off x="477788" y="1592796"/>
-            <a:ext cx="10736212" cy="1836204"/>
+            <a:ext cx="10736212" cy="3852428"/>
           </a:xfrm>
           <a:prstGeom prst="rect">
             <a:avLst/>
@@ -2284,6 +4738,113 @@
               <a:latin typeface="+mj-ea"/>
               <a:ea typeface="+mj-ea"/>
             </a:endParaRPr>
+          </a:p>
+          <a:p>
+            <a:pPr marL="0" indent="0">
+              <a:buNone/>
+              <a:defRPr/>
+            </a:pPr>
+            <a:endParaRPr lang="en-US" altLang="zh-CN" sz="2400" dirty="0">
+              <a:latin typeface="+mj-ea"/>
+              <a:ea typeface="+mj-ea"/>
+            </a:endParaRPr>
+          </a:p>
+          <a:p>
+            <a:pPr marL="0" indent="0">
+              <a:buNone/>
+              <a:defRPr/>
+            </a:pPr>
+            <a:endParaRPr lang="en-US" altLang="zh-CN" sz="2400" dirty="0">
+              <a:latin typeface="+mj-ea"/>
+              <a:ea typeface="+mj-ea"/>
+            </a:endParaRPr>
+          </a:p>
+          <a:p>
+            <a:pPr marL="0" indent="0">
+              <a:buNone/>
+              <a:defRPr/>
+            </a:pPr>
+            <a:r>
+              <a:rPr lang="en-US" altLang="zh-CN" sz="2400" dirty="0" err="1">
+                <a:latin typeface="+mj-ea"/>
+                <a:ea typeface="+mj-ea"/>
+              </a:rPr>
+              <a:t>x,y</a:t>
+            </a:r>
+            <a:r>
+              <a:rPr lang="en-US" altLang="zh-CN" sz="2400" dirty="0">
+                <a:latin typeface="+mj-ea"/>
+                <a:ea typeface="+mj-ea"/>
+              </a:rPr>
+              <a:t> 0 1</a:t>
+            </a:r>
+          </a:p>
+          <a:p>
+            <a:pPr marL="0" indent="0">
+              <a:buNone/>
+              <a:defRPr/>
+            </a:pPr>
+            <a:r>
+              <a:rPr lang="en-US" altLang="zh-CN" sz="2400" dirty="0">
+                <a:latin typeface="+mj-ea"/>
+                <a:ea typeface="+mj-ea"/>
+              </a:rPr>
+              <a:t>0.2  0.8</a:t>
+            </a:r>
+          </a:p>
+          <a:p>
+            <a:pPr marL="0" indent="0">
+              <a:buNone/>
+              <a:defRPr/>
+            </a:pPr>
+            <a:r>
+              <a:rPr lang="en-US" altLang="zh-CN" sz="2400" dirty="0">
+                <a:latin typeface="+mj-ea"/>
+                <a:ea typeface="+mj-ea"/>
+              </a:rPr>
+              <a:t>prediction&gt;0.5 </a:t>
+            </a:r>
+            <a:r>
+              <a:rPr lang="zh-CN" altLang="en-US" sz="2400" dirty="0">
+                <a:latin typeface="+mj-ea"/>
+                <a:ea typeface="+mj-ea"/>
+              </a:rPr>
+              <a:t>→ </a:t>
+            </a:r>
+            <a:r>
+              <a:rPr lang="en-US" altLang="zh-CN" sz="2400" dirty="0">
+                <a:latin typeface="+mj-ea"/>
+                <a:ea typeface="+mj-ea"/>
+              </a:rPr>
+              <a:t>1</a:t>
+            </a:r>
+          </a:p>
+          <a:p>
+            <a:pPr marL="0" indent="0">
+              <a:buNone/>
+              <a:defRPr/>
+            </a:pPr>
+            <a:r>
+              <a:rPr lang="en-US" altLang="zh-CN" sz="2400" dirty="0">
+                <a:latin typeface="+mj-ea"/>
+                <a:ea typeface="+mj-ea"/>
+              </a:rPr>
+              <a:t>prediction&lt;=0.5 </a:t>
+            </a:r>
+            <a:r>
+              <a:rPr lang="zh-CN" altLang="en-US" sz="2400" dirty="0">
+                <a:latin typeface="+mj-ea"/>
+                <a:ea typeface="+mj-ea"/>
+              </a:rPr>
+              <a:t>→ </a:t>
+            </a:r>
+            <a:r>
+              <a:rPr lang="en-US" altLang="zh-CN" sz="2400" dirty="0">
+                <a:latin typeface="+mj-ea"/>
+                <a:ea typeface="+mj-ea"/>
+              </a:rPr>
+              <a:t>0 </a:t>
+            </a:r>
           </a:p>
           <a:p>
             <a:pPr marL="0" indent="0">
@@ -5639,6 +8200,523 @@
     <p:extLst>
       <p:ext uri="{BB962C8B-B14F-4D97-AF65-F5344CB8AC3E}">
         <p14:creationId xmlns:p14="http://schemas.microsoft.com/office/powerpoint/2010/main" val="1270457882"/>
+      </p:ext>
+    </p:extLst>
+  </p:cSld>
+  <p:clrMapOvr>
+    <a:masterClrMapping/>
+  </p:clrMapOvr>
+</p:sld>
+</file>
+
+<file path=ppt/slides/slide9.xml><?xml version="1.0" encoding="utf-8"?>
+<p:sld xmlns:a="http://schemas.openxmlformats.org/drawingml/2006/main" xmlns:r="http://schemas.openxmlformats.org/officeDocument/2006/relationships" xmlns:p="http://schemas.openxmlformats.org/presentationml/2006/main">
+  <p:cSld>
+    <p:spTree>
+      <p:nvGrpSpPr>
+        <p:cNvPr id="1" name=""/>
+        <p:cNvGrpSpPr/>
+        <p:nvPr/>
+      </p:nvGrpSpPr>
+      <p:grpSpPr>
+        <a:xfrm>
+          <a:off x="0" y="0"/>
+          <a:ext cx="0" cy="0"/>
+          <a:chOff x="0" y="0"/>
+          <a:chExt cx="0" cy="0"/>
+        </a:xfrm>
+      </p:grpSpPr>
+      <p:sp>
+        <p:nvSpPr>
+          <p:cNvPr id="2" name="标题 1"/>
+          <p:cNvSpPr>
+            <a:spLocks noGrp="1"/>
+          </p:cNvSpPr>
+          <p:nvPr>
+            <p:ph type="title"/>
+          </p:nvPr>
+        </p:nvSpPr>
+        <p:spPr>
+          <a:xfrm>
+            <a:off x="261764" y="155368"/>
+            <a:ext cx="11521280" cy="605471"/>
+          </a:xfrm>
+        </p:spPr>
+        <p:txBody>
+          <a:bodyPr/>
+          <a:lstStyle/>
+          <a:p>
+            <a:r>
+              <a:rPr kumimoji="1" lang="en-US" altLang="zh-CN" dirty="0"/>
+              <a:t>4. </a:t>
+            </a:r>
+            <a:r>
+              <a:rPr kumimoji="1" lang="zh-CN" altLang="en-US" dirty="0"/>
+              <a:t>使用其他机器学习模型</a:t>
+            </a:r>
+          </a:p>
+        </p:txBody>
+      </p:sp>
+      <p:sp>
+        <p:nvSpPr>
+          <p:cNvPr id="8" name="内容占位符 2">
+            <a:extLst>
+              <a:ext uri="{FF2B5EF4-FFF2-40B4-BE49-F238E27FC236}">
+                <a16:creationId xmlns:a16="http://schemas.microsoft.com/office/drawing/2014/main" id="{F12D1702-A796-409D-A677-0CA0DE389277}"/>
+              </a:ext>
+            </a:extLst>
+          </p:cNvPr>
+          <p:cNvSpPr txBox="1">
+            <a:spLocks/>
+          </p:cNvSpPr>
+          <p:nvPr/>
+        </p:nvSpPr>
+        <p:spPr>
+          <a:xfrm>
+            <a:off x="477788" y="1412776"/>
+            <a:ext cx="10736212" cy="5040560"/>
+          </a:xfrm>
+          <a:prstGeom prst="rect">
+            <a:avLst/>
+          </a:prstGeom>
+        </p:spPr>
+        <p:txBody>
+          <a:bodyPr/>
+          <a:lstStyle>
+            <a:lvl1pPr marL="342774" indent="-342774" algn="l" defTabSz="914064" rtl="0" eaLnBrk="1" latinLnBrk="0" hangingPunct="1">
+              <a:spcBef>
+                <a:spcPct val="20000"/>
+              </a:spcBef>
+              <a:buFont typeface="Arial" pitchFamily="34" charset="0"/>
+              <a:buChar char="•"/>
+              <a:defRPr sz="2700" kern="1200">
+                <a:solidFill>
+                  <a:schemeClr val="tx1"/>
+                </a:solidFill>
+                <a:latin typeface="微软雅黑" panose="020B0503020204020204" pitchFamily="34" charset="-122"/>
+                <a:ea typeface="微软雅黑" panose="020B0503020204020204" pitchFamily="34" charset="-122"/>
+                <a:cs typeface="+mn-cs"/>
+              </a:defRPr>
+            </a:lvl1pPr>
+            <a:lvl2pPr marL="742677" indent="-285646" algn="l" defTabSz="914064" rtl="0" eaLnBrk="1" latinLnBrk="0" hangingPunct="1">
+              <a:spcBef>
+                <a:spcPct val="20000"/>
+              </a:spcBef>
+              <a:buFont typeface="Arial" pitchFamily="34" charset="0"/>
+              <a:buChar char="–"/>
+              <a:defRPr sz="2300" kern="1200">
+                <a:solidFill>
+                  <a:schemeClr val="tx1"/>
+                </a:solidFill>
+                <a:latin typeface="微软雅黑" panose="020B0503020204020204" pitchFamily="34" charset="-122"/>
+                <a:ea typeface="微软雅黑" panose="020B0503020204020204" pitchFamily="34" charset="-122"/>
+                <a:cs typeface="+mn-cs"/>
+              </a:defRPr>
+            </a:lvl2pPr>
+            <a:lvl3pPr marL="1142581" indent="-228515" algn="l" defTabSz="914064" rtl="0" eaLnBrk="1" latinLnBrk="0" hangingPunct="1">
+              <a:spcBef>
+                <a:spcPct val="20000"/>
+              </a:spcBef>
+              <a:buFont typeface="Arial" pitchFamily="34" charset="0"/>
+              <a:buChar char="•"/>
+              <a:defRPr sz="2300" kern="1200">
+                <a:solidFill>
+                  <a:schemeClr val="tx1"/>
+                </a:solidFill>
+                <a:latin typeface="微软雅黑" panose="020B0503020204020204" pitchFamily="34" charset="-122"/>
+                <a:ea typeface="微软雅黑" panose="020B0503020204020204" pitchFamily="34" charset="-122"/>
+                <a:cs typeface="+mn-cs"/>
+              </a:defRPr>
+            </a:lvl3pPr>
+            <a:lvl4pPr marL="1599612" indent="-228515" algn="l" defTabSz="914064" rtl="0" eaLnBrk="1" latinLnBrk="0" hangingPunct="1">
+              <a:spcBef>
+                <a:spcPct val="20000"/>
+              </a:spcBef>
+              <a:buFont typeface="Arial" pitchFamily="34" charset="0"/>
+              <a:buChar char="–"/>
+              <a:defRPr sz="1900" kern="1200">
+                <a:solidFill>
+                  <a:schemeClr val="tx1"/>
+                </a:solidFill>
+                <a:latin typeface="微软雅黑" panose="020B0503020204020204" pitchFamily="34" charset="-122"/>
+                <a:ea typeface="微软雅黑" panose="020B0503020204020204" pitchFamily="34" charset="-122"/>
+                <a:cs typeface="+mn-cs"/>
+              </a:defRPr>
+            </a:lvl4pPr>
+            <a:lvl5pPr marL="2056644" indent="-228515" algn="l" defTabSz="914064" rtl="0" eaLnBrk="1" latinLnBrk="0" hangingPunct="1">
+              <a:spcBef>
+                <a:spcPct val="20000"/>
+              </a:spcBef>
+              <a:buFont typeface="Arial" pitchFamily="34" charset="0"/>
+              <a:buChar char="»"/>
+              <a:defRPr sz="1900" kern="1200">
+                <a:solidFill>
+                  <a:schemeClr val="tx1"/>
+                </a:solidFill>
+                <a:latin typeface="微软雅黑" panose="020B0503020204020204" pitchFamily="34" charset="-122"/>
+                <a:ea typeface="微软雅黑" panose="020B0503020204020204" pitchFamily="34" charset="-122"/>
+                <a:cs typeface="+mn-cs"/>
+              </a:defRPr>
+            </a:lvl5pPr>
+            <a:lvl6pPr marL="2513675" indent="-228515" algn="l" defTabSz="914064" rtl="0" eaLnBrk="1" latinLnBrk="0" hangingPunct="1">
+              <a:spcBef>
+                <a:spcPct val="20000"/>
+              </a:spcBef>
+              <a:buFont typeface="Arial" pitchFamily="34" charset="0"/>
+              <a:buChar char="•"/>
+              <a:defRPr sz="1900" kern="1200">
+                <a:solidFill>
+                  <a:schemeClr val="tx1"/>
+                </a:solidFill>
+                <a:latin typeface="+mn-lt"/>
+                <a:ea typeface="+mn-ea"/>
+                <a:cs typeface="+mn-cs"/>
+              </a:defRPr>
+            </a:lvl6pPr>
+            <a:lvl7pPr marL="2970709" indent="-228515" algn="l" defTabSz="914064" rtl="0" eaLnBrk="1" latinLnBrk="0" hangingPunct="1">
+              <a:spcBef>
+                <a:spcPct val="20000"/>
+              </a:spcBef>
+              <a:buFont typeface="Arial" pitchFamily="34" charset="0"/>
+              <a:buChar char="•"/>
+              <a:defRPr sz="1900" kern="1200">
+                <a:solidFill>
+                  <a:schemeClr val="tx1"/>
+                </a:solidFill>
+                <a:latin typeface="+mn-lt"/>
+                <a:ea typeface="+mn-ea"/>
+                <a:cs typeface="+mn-cs"/>
+              </a:defRPr>
+            </a:lvl7pPr>
+            <a:lvl8pPr marL="3427741" indent="-228515" algn="l" defTabSz="914064" rtl="0" eaLnBrk="1" latinLnBrk="0" hangingPunct="1">
+              <a:spcBef>
+                <a:spcPct val="20000"/>
+              </a:spcBef>
+              <a:buFont typeface="Arial" pitchFamily="34" charset="0"/>
+              <a:buChar char="•"/>
+              <a:defRPr sz="1900" kern="1200">
+                <a:solidFill>
+                  <a:schemeClr val="tx1"/>
+                </a:solidFill>
+                <a:latin typeface="+mn-lt"/>
+                <a:ea typeface="+mn-ea"/>
+                <a:cs typeface="+mn-cs"/>
+              </a:defRPr>
+            </a:lvl8pPr>
+            <a:lvl9pPr marL="3884771" indent="-228515" algn="l" defTabSz="914064" rtl="0" eaLnBrk="1" latinLnBrk="0" hangingPunct="1">
+              <a:spcBef>
+                <a:spcPct val="20000"/>
+              </a:spcBef>
+              <a:buFont typeface="Arial" pitchFamily="34" charset="0"/>
+              <a:buChar char="•"/>
+              <a:defRPr sz="1900" kern="1200">
+                <a:solidFill>
+                  <a:schemeClr val="tx1"/>
+                </a:solidFill>
+                <a:latin typeface="+mn-lt"/>
+                <a:ea typeface="+mn-ea"/>
+                <a:cs typeface="+mn-cs"/>
+              </a:defRPr>
+            </a:lvl9pPr>
+          </a:lstStyle>
+          <a:p>
+            <a:pPr marL="0" indent="0">
+              <a:buNone/>
+              <a:defRPr/>
+            </a:pPr>
+            <a:r>
+              <a:rPr lang="zh-CN" altLang="en-US" sz="2400" dirty="0">
+                <a:latin typeface="黑体" panose="02010609060101010101" pitchFamily="49" charset="-122"/>
+                <a:ea typeface="黑体" panose="02010609060101010101" pitchFamily="49" charset="-122"/>
+              </a:rPr>
+              <a:t>常用机器学习模型</a:t>
+            </a:r>
+            <a:r>
+              <a:rPr lang="zh-CN" altLang="en-US" sz="2400" dirty="0">
+                <a:latin typeface="+mj-ea"/>
+                <a:ea typeface="+mj-ea"/>
+              </a:rPr>
+              <a:t>：</a:t>
+            </a:r>
+            <a:endParaRPr lang="en-US" altLang="zh-CN" sz="2400" dirty="0">
+              <a:latin typeface="+mj-ea"/>
+              <a:ea typeface="+mj-ea"/>
+            </a:endParaRPr>
+          </a:p>
+          <a:p>
+            <a:pPr>
+              <a:defRPr/>
+            </a:pPr>
+            <a:r>
+              <a:rPr lang="zh-CN" altLang="en-US" sz="2400" dirty="0">
+                <a:latin typeface="+mj-ea"/>
+                <a:ea typeface="+mj-ea"/>
+              </a:rPr>
+              <a:t>线性模型</a:t>
+            </a:r>
+            <a:endParaRPr lang="en-US" altLang="zh-CN" sz="2400" dirty="0">
+              <a:latin typeface="+mj-ea"/>
+              <a:ea typeface="+mj-ea"/>
+            </a:endParaRPr>
+          </a:p>
+          <a:p>
+            <a:pPr>
+              <a:defRPr/>
+            </a:pPr>
+            <a:r>
+              <a:rPr lang="zh-CN" altLang="en-US" sz="2400" dirty="0">
+                <a:latin typeface="+mj-ea"/>
+                <a:ea typeface="+mj-ea"/>
+              </a:rPr>
+              <a:t>集成学习模型（基于决策树的模型，包括随机森林和</a:t>
+            </a:r>
+            <a:r>
+              <a:rPr lang="en-US" altLang="zh-CN" sz="2400" dirty="0">
+                <a:latin typeface="+mj-ea"/>
+                <a:ea typeface="+mj-ea"/>
+              </a:rPr>
+              <a:t>GBDT </a:t>
+            </a:r>
+            <a:r>
+              <a:rPr lang="en-US" altLang="zh-CN" sz="2400" dirty="0" err="1">
+                <a:latin typeface="+mj-ea"/>
+                <a:ea typeface="+mj-ea"/>
+              </a:rPr>
+              <a:t>xgboost</a:t>
+            </a:r>
+            <a:r>
+              <a:rPr lang="en-US" altLang="zh-CN" sz="2400" dirty="0">
+                <a:latin typeface="+mj-ea"/>
+                <a:ea typeface="+mj-ea"/>
+              </a:rPr>
+              <a:t> </a:t>
+            </a:r>
+            <a:r>
+              <a:rPr lang="en-US" altLang="zh-CN" sz="2400" dirty="0" err="1">
+                <a:latin typeface="+mj-ea"/>
+                <a:ea typeface="+mj-ea"/>
+              </a:rPr>
+              <a:t>lightgbm</a:t>
+            </a:r>
+            <a:r>
+              <a:rPr lang="zh-CN" altLang="en-US" sz="2400" dirty="0">
+                <a:latin typeface="+mj-ea"/>
+                <a:ea typeface="+mj-ea"/>
+              </a:rPr>
+              <a:t>）</a:t>
+            </a:r>
+            <a:endParaRPr lang="en-US" altLang="zh-CN" sz="2400" dirty="0">
+              <a:latin typeface="+mj-ea"/>
+              <a:ea typeface="+mj-ea"/>
+            </a:endParaRPr>
+          </a:p>
+          <a:p>
+            <a:pPr>
+              <a:defRPr/>
+            </a:pPr>
+            <a:r>
+              <a:rPr lang="zh-CN" altLang="en-US" sz="2400" dirty="0">
+                <a:latin typeface="+mj-ea"/>
+                <a:ea typeface="+mj-ea"/>
+              </a:rPr>
+              <a:t>深度学习模型（神经网络）</a:t>
+            </a:r>
+            <a:endParaRPr lang="en-US" altLang="zh-CN" sz="2400" dirty="0">
+              <a:latin typeface="+mj-ea"/>
+              <a:ea typeface="+mj-ea"/>
+            </a:endParaRPr>
+          </a:p>
+          <a:p>
+            <a:pPr>
+              <a:defRPr/>
+            </a:pPr>
+            <a:endParaRPr lang="en-US" altLang="zh-CN" sz="2400" dirty="0">
+              <a:latin typeface="+mj-ea"/>
+              <a:ea typeface="+mj-ea"/>
+            </a:endParaRPr>
+          </a:p>
+          <a:p>
+            <a:pPr marL="0" indent="0">
+              <a:buNone/>
+              <a:defRPr/>
+            </a:pPr>
+            <a:r>
+              <a:rPr lang="zh-CN" altLang="en-US" sz="2400" dirty="0">
+                <a:latin typeface="黑体" panose="02010609060101010101" pitchFamily="49" charset="-122"/>
+                <a:ea typeface="黑体" panose="02010609060101010101" pitchFamily="49" charset="-122"/>
+              </a:rPr>
+              <a:t>使用其他机器学习模型</a:t>
+            </a:r>
+            <a:r>
+              <a:rPr lang="zh-CN" altLang="en-US" sz="2400" dirty="0">
+                <a:latin typeface="+mj-ea"/>
+              </a:rPr>
+              <a:t>：</a:t>
+            </a:r>
+            <a:endParaRPr lang="en-US" altLang="zh-CN" sz="2400" dirty="0">
+              <a:latin typeface="+mj-ea"/>
+              <a:ea typeface="+mj-ea"/>
+            </a:endParaRPr>
+          </a:p>
+          <a:p>
+            <a:pPr>
+              <a:defRPr/>
+            </a:pPr>
+            <a:r>
+              <a:rPr lang="zh-CN" altLang="en-US" sz="2400" dirty="0">
+                <a:latin typeface="+mj-ea"/>
+                <a:ea typeface="+mj-ea"/>
+              </a:rPr>
+              <a:t>在详细的了解这些模型之前，不妨把这些模型当成“黑箱模型”</a:t>
+            </a:r>
+            <a:endParaRPr lang="en-US" altLang="zh-CN" sz="2400" dirty="0">
+              <a:latin typeface="+mj-ea"/>
+              <a:ea typeface="+mj-ea"/>
+            </a:endParaRPr>
+          </a:p>
+          <a:p>
+            <a:pPr>
+              <a:defRPr/>
+            </a:pPr>
+            <a:r>
+              <a:rPr lang="zh-CN" altLang="en-US" sz="2400" dirty="0">
+                <a:latin typeface="+mj-ea"/>
+                <a:ea typeface="+mj-ea"/>
+              </a:rPr>
+              <a:t>与线性回归模型一样，这些模型的输入特征</a:t>
+            </a:r>
+            <a:r>
+              <a:rPr lang="en-US" altLang="zh-CN" sz="2400" dirty="0">
+                <a:latin typeface="+mj-ea"/>
+                <a:ea typeface="+mj-ea"/>
+              </a:rPr>
+              <a:t>X</a:t>
+            </a:r>
+            <a:r>
+              <a:rPr lang="zh-CN" altLang="en-US" sz="2400" dirty="0">
+                <a:latin typeface="+mj-ea"/>
+                <a:ea typeface="+mj-ea"/>
+              </a:rPr>
+              <a:t>，输出是标签</a:t>
+            </a:r>
+            <a:r>
+              <a:rPr lang="en-US" altLang="zh-CN" sz="2400" dirty="0">
+                <a:latin typeface="+mj-ea"/>
+                <a:ea typeface="+mj-ea"/>
+              </a:rPr>
+              <a:t>y</a:t>
+            </a:r>
+          </a:p>
+          <a:p>
+            <a:pPr>
+              <a:defRPr/>
+            </a:pPr>
+            <a:r>
+              <a:rPr lang="zh-CN" altLang="en-US" sz="2400" dirty="0">
+                <a:latin typeface="+mj-ea"/>
+                <a:ea typeface="+mj-ea"/>
+              </a:rPr>
+              <a:t>模型会自动的学习</a:t>
+            </a:r>
+            <a:r>
+              <a:rPr lang="en-US" altLang="zh-CN" sz="2400" dirty="0">
+                <a:latin typeface="+mj-ea"/>
+                <a:ea typeface="+mj-ea"/>
+              </a:rPr>
+              <a:t>X</a:t>
+            </a:r>
+            <a:r>
+              <a:rPr lang="zh-CN" altLang="en-US" sz="2400" dirty="0">
+                <a:latin typeface="+mj-ea"/>
+                <a:ea typeface="+mj-ea"/>
+              </a:rPr>
+              <a:t>和</a:t>
+            </a:r>
+            <a:r>
+              <a:rPr lang="en-US" altLang="zh-CN" sz="2400" dirty="0">
+                <a:latin typeface="+mj-ea"/>
+                <a:ea typeface="+mj-ea"/>
+              </a:rPr>
+              <a:t>y</a:t>
+            </a:r>
+            <a:r>
+              <a:rPr lang="zh-CN" altLang="en-US" sz="2400" dirty="0">
+                <a:latin typeface="+mj-ea"/>
+                <a:ea typeface="+mj-ea"/>
+              </a:rPr>
+              <a:t>的关系</a:t>
+            </a:r>
+            <a:endParaRPr lang="en-US" altLang="zh-CN" sz="2400" dirty="0">
+              <a:latin typeface="+mj-ea"/>
+              <a:ea typeface="+mj-ea"/>
+            </a:endParaRPr>
+          </a:p>
+          <a:p>
+            <a:pPr>
+              <a:defRPr/>
+            </a:pPr>
+            <a:r>
+              <a:rPr lang="zh-CN" altLang="en-US" sz="2400" dirty="0">
+                <a:latin typeface="+mj-ea"/>
+                <a:ea typeface="+mj-ea"/>
+              </a:rPr>
+              <a:t>这些模型可以更好的描述</a:t>
+            </a:r>
+            <a:r>
+              <a:rPr lang="en-US" altLang="zh-CN" sz="2400" dirty="0">
+                <a:latin typeface="+mj-ea"/>
+                <a:ea typeface="+mj-ea"/>
+              </a:rPr>
+              <a:t>X</a:t>
+            </a:r>
+            <a:r>
+              <a:rPr lang="zh-CN" altLang="en-US" sz="2400" dirty="0">
+                <a:latin typeface="+mj-ea"/>
+                <a:ea typeface="+mj-ea"/>
+              </a:rPr>
+              <a:t>和</a:t>
+            </a:r>
+            <a:r>
+              <a:rPr lang="en-US" altLang="zh-CN" sz="2400" dirty="0">
+                <a:latin typeface="+mj-ea"/>
+                <a:ea typeface="+mj-ea"/>
+              </a:rPr>
+              <a:t>y</a:t>
+            </a:r>
+            <a:r>
+              <a:rPr lang="zh-CN" altLang="en-US" sz="2400" dirty="0">
+                <a:latin typeface="+mj-ea"/>
+                <a:ea typeface="+mj-ea"/>
+              </a:rPr>
+              <a:t>之间的关系，特别是非线性关系</a:t>
+            </a:r>
+            <a:endParaRPr lang="en-US" altLang="zh-CN" sz="2400" dirty="0">
+              <a:latin typeface="+mj-ea"/>
+              <a:ea typeface="+mj-ea"/>
+            </a:endParaRPr>
+          </a:p>
+          <a:p>
+            <a:pPr>
+              <a:defRPr/>
+            </a:pPr>
+            <a:r>
+              <a:rPr lang="zh-CN" altLang="en-US" sz="2400" dirty="0">
+                <a:latin typeface="+mj-ea"/>
+                <a:ea typeface="+mj-ea"/>
+              </a:rPr>
+              <a:t>在不了解这些模型的原理的情况下，同样可以应用这些模型进行预测</a:t>
+            </a:r>
+            <a:endParaRPr lang="en-US" altLang="zh-CN" sz="2400" dirty="0">
+              <a:latin typeface="+mj-ea"/>
+              <a:ea typeface="+mj-ea"/>
+            </a:endParaRPr>
+          </a:p>
+        </p:txBody>
+      </p:sp>
+    </p:spTree>
+    <p:extLst>
+      <p:ext uri="{BB962C8B-B14F-4D97-AF65-F5344CB8AC3E}">
+        <p14:creationId xmlns:p14="http://schemas.microsoft.com/office/powerpoint/2010/main" val="1546371307"/>
       </p:ext>
     </p:extLst>
   </p:cSld>
